--- a/PLOT/DEPENDENCY/dependency.pptx
+++ b/PLOT/DEPENDENCY/dependency.pptx
@@ -5,13 +5,17 @@
     <p:sldMasterId id="2147483648" r:id="rId1"/>
   </p:sldMasterIdLst>
   <p:notesMasterIdLst>
-    <p:notesMasterId r:id="rId6"/>
+    <p:notesMasterId r:id="rId10"/>
   </p:notesMasterIdLst>
   <p:sldIdLst>
     <p:sldId id="256" r:id="rId2"/>
     <p:sldId id="257" r:id="rId3"/>
     <p:sldId id="258" r:id="rId4"/>
     <p:sldId id="259" r:id="rId5"/>
+    <p:sldId id="260" r:id="rId6"/>
+    <p:sldId id="261" r:id="rId7"/>
+    <p:sldId id="262" r:id="rId8"/>
+    <p:sldId id="263" r:id="rId9"/>
   </p:sldIdLst>
   <p:sldSz cx="12192000" cy="6858000"/>
   <p:notesSz cx="6858000" cy="9144000"/>
@@ -200,7 +204,7 @@
           <a:p>
             <a:fld id="{C6759449-3DC2-4E66-8F4F-BD6496FD724B}" type="datetimeFigureOut">
               <a:rPr lang="en-US" smtClean="0"/>
-              <a:t>2/17/2025</a:t>
+              <a:t>2/18/2025</a:t>
             </a:fld>
             <a:endParaRPr lang="en-US"/>
           </a:p>
@@ -841,6 +845,451 @@
 </p:notes>
 </file>
 
+<file path=ppt/notesSlides/notesSlide5.xml><?xml version="1.0" encoding="utf-8"?>
+<p:notes xmlns:a="http://schemas.openxmlformats.org/drawingml/2006/main" xmlns:r="http://schemas.openxmlformats.org/officeDocument/2006/relationships" xmlns:p="http://schemas.openxmlformats.org/presentationml/2006/main">
+  <p:cSld>
+    <p:spTree>
+      <p:nvGrpSpPr>
+        <p:cNvPr id="1" name="">
+          <a:extLst>
+            <a:ext uri="{FF2B5EF4-FFF2-40B4-BE49-F238E27FC236}">
+              <a16:creationId xmlns:a16="http://schemas.microsoft.com/office/drawing/2014/main" id="{B1CB9DD9-1699-9E69-CFAD-3F759DC7DA4E}"/>
+            </a:ext>
+          </a:extLst>
+        </p:cNvPr>
+        <p:cNvGrpSpPr/>
+        <p:nvPr/>
+      </p:nvGrpSpPr>
+      <p:grpSpPr>
+        <a:xfrm>
+          <a:off x="0" y="0"/>
+          <a:ext cx="0" cy="0"/>
+          <a:chOff x="0" y="0"/>
+          <a:chExt cx="0" cy="0"/>
+        </a:xfrm>
+      </p:grpSpPr>
+      <p:sp>
+        <p:nvSpPr>
+          <p:cNvPr id="2" name="Slide Image Placeholder 1">
+            <a:extLst>
+              <a:ext uri="{FF2B5EF4-FFF2-40B4-BE49-F238E27FC236}">
+                <a16:creationId xmlns:a16="http://schemas.microsoft.com/office/drawing/2014/main" id="{E5A501BE-9B0E-7D0F-CC24-66E81C768CBC}"/>
+              </a:ext>
+            </a:extLst>
+          </p:cNvPr>
+          <p:cNvSpPr>
+            <a:spLocks noGrp="1" noRot="1" noChangeAspect="1"/>
+          </p:cNvSpPr>
+          <p:nvPr>
+            <p:ph type="sldImg"/>
+          </p:nvPr>
+        </p:nvSpPr>
+        <p:spPr/>
+      </p:sp>
+      <p:sp>
+        <p:nvSpPr>
+          <p:cNvPr id="3" name="Notes Placeholder 2">
+            <a:extLst>
+              <a:ext uri="{FF2B5EF4-FFF2-40B4-BE49-F238E27FC236}">
+                <a16:creationId xmlns:a16="http://schemas.microsoft.com/office/drawing/2014/main" id="{3596AD7A-7CC0-9C79-7A52-643DD66F059E}"/>
+              </a:ext>
+            </a:extLst>
+          </p:cNvPr>
+          <p:cNvSpPr>
+            <a:spLocks noGrp="1"/>
+          </p:cNvSpPr>
+          <p:nvPr>
+            <p:ph type="body" idx="1"/>
+          </p:nvPr>
+        </p:nvSpPr>
+        <p:spPr/>
+        <p:txBody>
+          <a:bodyPr/>
+          <a:lstStyle/>
+          <a:p>
+            <a:r>
+              <a:rPr lang="en-US" dirty="0" err="1"/>
+              <a:t>rng</a:t>
+            </a:r>
+            <a:endParaRPr lang="en-US" dirty="0"/>
+          </a:p>
+        </p:txBody>
+      </p:sp>
+      <p:sp>
+        <p:nvSpPr>
+          <p:cNvPr id="4" name="Slide Number Placeholder 3">
+            <a:extLst>
+              <a:ext uri="{FF2B5EF4-FFF2-40B4-BE49-F238E27FC236}">
+                <a16:creationId xmlns:a16="http://schemas.microsoft.com/office/drawing/2014/main" id="{AE27677D-43A8-B3DE-CC6F-0875E11E4118}"/>
+              </a:ext>
+            </a:extLst>
+          </p:cNvPr>
+          <p:cNvSpPr>
+            <a:spLocks noGrp="1"/>
+          </p:cNvSpPr>
+          <p:nvPr>
+            <p:ph type="sldNum" sz="quarter" idx="5"/>
+          </p:nvPr>
+        </p:nvSpPr>
+        <p:spPr/>
+        <p:txBody>
+          <a:bodyPr/>
+          <a:lstStyle/>
+          <a:p>
+            <a:fld id="{7B23AD93-0CD7-4768-8FD0-693500F52F43}" type="slidenum">
+              <a:rPr lang="en-US" smtClean="0"/>
+              <a:t>5</a:t>
+            </a:fld>
+            <a:endParaRPr lang="en-US"/>
+          </a:p>
+        </p:txBody>
+      </p:sp>
+    </p:spTree>
+    <p:extLst>
+      <p:ext uri="{BB962C8B-B14F-4D97-AF65-F5344CB8AC3E}">
+        <p14:creationId xmlns:p14="http://schemas.microsoft.com/office/powerpoint/2010/main" val="1829496827"/>
+      </p:ext>
+    </p:extLst>
+  </p:cSld>
+  <p:clrMapOvr>
+    <a:masterClrMapping/>
+  </p:clrMapOvr>
+</p:notes>
+</file>
+
+<file path=ppt/notesSlides/notesSlide6.xml><?xml version="1.0" encoding="utf-8"?>
+<p:notes xmlns:a="http://schemas.openxmlformats.org/drawingml/2006/main" xmlns:r="http://schemas.openxmlformats.org/officeDocument/2006/relationships" xmlns:p="http://schemas.openxmlformats.org/presentationml/2006/main">
+  <p:cSld>
+    <p:spTree>
+      <p:nvGrpSpPr>
+        <p:cNvPr id="1" name="">
+          <a:extLst>
+            <a:ext uri="{FF2B5EF4-FFF2-40B4-BE49-F238E27FC236}">
+              <a16:creationId xmlns:a16="http://schemas.microsoft.com/office/drawing/2014/main" id="{CC08CD03-031A-4B11-5850-7DD9F326E00A}"/>
+            </a:ext>
+          </a:extLst>
+        </p:cNvPr>
+        <p:cNvGrpSpPr/>
+        <p:nvPr/>
+      </p:nvGrpSpPr>
+      <p:grpSpPr>
+        <a:xfrm>
+          <a:off x="0" y="0"/>
+          <a:ext cx="0" cy="0"/>
+          <a:chOff x="0" y="0"/>
+          <a:chExt cx="0" cy="0"/>
+        </a:xfrm>
+      </p:grpSpPr>
+      <p:sp>
+        <p:nvSpPr>
+          <p:cNvPr id="2" name="Slide Image Placeholder 1">
+            <a:extLst>
+              <a:ext uri="{FF2B5EF4-FFF2-40B4-BE49-F238E27FC236}">
+                <a16:creationId xmlns:a16="http://schemas.microsoft.com/office/drawing/2014/main" id="{CE2E1C04-A320-81C7-DEFC-6A5756CB0F77}"/>
+              </a:ext>
+            </a:extLst>
+          </p:cNvPr>
+          <p:cNvSpPr>
+            <a:spLocks noGrp="1" noRot="1" noChangeAspect="1"/>
+          </p:cNvSpPr>
+          <p:nvPr>
+            <p:ph type="sldImg"/>
+          </p:nvPr>
+        </p:nvSpPr>
+        <p:spPr/>
+      </p:sp>
+      <p:sp>
+        <p:nvSpPr>
+          <p:cNvPr id="3" name="Notes Placeholder 2">
+            <a:extLst>
+              <a:ext uri="{FF2B5EF4-FFF2-40B4-BE49-F238E27FC236}">
+                <a16:creationId xmlns:a16="http://schemas.microsoft.com/office/drawing/2014/main" id="{E50B094E-F65D-1A9A-5F18-CEF75107CB84}"/>
+              </a:ext>
+            </a:extLst>
+          </p:cNvPr>
+          <p:cNvSpPr>
+            <a:spLocks noGrp="1"/>
+          </p:cNvSpPr>
+          <p:nvPr>
+            <p:ph type="body" idx="1"/>
+          </p:nvPr>
+        </p:nvSpPr>
+        <p:spPr/>
+        <p:txBody>
+          <a:bodyPr/>
+          <a:lstStyle/>
+          <a:p>
+            <a:r>
+              <a:rPr lang="en-US" dirty="0"/>
+              <a:t>SPI &amp; LCD</a:t>
+            </a:r>
+          </a:p>
+        </p:txBody>
+      </p:sp>
+      <p:sp>
+        <p:nvSpPr>
+          <p:cNvPr id="4" name="Slide Number Placeholder 3">
+            <a:extLst>
+              <a:ext uri="{FF2B5EF4-FFF2-40B4-BE49-F238E27FC236}">
+                <a16:creationId xmlns:a16="http://schemas.microsoft.com/office/drawing/2014/main" id="{056EDE21-3736-20E5-E06C-EF2A6638FE6D}"/>
+              </a:ext>
+            </a:extLst>
+          </p:cNvPr>
+          <p:cNvSpPr>
+            <a:spLocks noGrp="1"/>
+          </p:cNvSpPr>
+          <p:nvPr>
+            <p:ph type="sldNum" sz="quarter" idx="5"/>
+          </p:nvPr>
+        </p:nvSpPr>
+        <p:spPr/>
+        <p:txBody>
+          <a:bodyPr/>
+          <a:lstStyle/>
+          <a:p>
+            <a:fld id="{7B23AD93-0CD7-4768-8FD0-693500F52F43}" type="slidenum">
+              <a:rPr lang="en-US" smtClean="0"/>
+              <a:t>6</a:t>
+            </a:fld>
+            <a:endParaRPr lang="en-US"/>
+          </a:p>
+        </p:txBody>
+      </p:sp>
+    </p:spTree>
+    <p:extLst>
+      <p:ext uri="{BB962C8B-B14F-4D97-AF65-F5344CB8AC3E}">
+        <p14:creationId xmlns:p14="http://schemas.microsoft.com/office/powerpoint/2010/main" val="1436680875"/>
+      </p:ext>
+    </p:extLst>
+  </p:cSld>
+  <p:clrMapOvr>
+    <a:masterClrMapping/>
+  </p:clrMapOvr>
+</p:notes>
+</file>
+
+<file path=ppt/notesSlides/notesSlide7.xml><?xml version="1.0" encoding="utf-8"?>
+<p:notes xmlns:a="http://schemas.openxmlformats.org/drawingml/2006/main" xmlns:r="http://schemas.openxmlformats.org/officeDocument/2006/relationships" xmlns:p="http://schemas.openxmlformats.org/presentationml/2006/main">
+  <p:cSld>
+    <p:spTree>
+      <p:nvGrpSpPr>
+        <p:cNvPr id="1" name="">
+          <a:extLst>
+            <a:ext uri="{FF2B5EF4-FFF2-40B4-BE49-F238E27FC236}">
+              <a16:creationId xmlns:a16="http://schemas.microsoft.com/office/drawing/2014/main" id="{7838B3D3-702C-B675-C7D9-D206324F28DA}"/>
+            </a:ext>
+          </a:extLst>
+        </p:cNvPr>
+        <p:cNvGrpSpPr/>
+        <p:nvPr/>
+      </p:nvGrpSpPr>
+      <p:grpSpPr>
+        <a:xfrm>
+          <a:off x="0" y="0"/>
+          <a:ext cx="0" cy="0"/>
+          <a:chOff x="0" y="0"/>
+          <a:chExt cx="0" cy="0"/>
+        </a:xfrm>
+      </p:grpSpPr>
+      <p:sp>
+        <p:nvSpPr>
+          <p:cNvPr id="2" name="Slide Image Placeholder 1">
+            <a:extLst>
+              <a:ext uri="{FF2B5EF4-FFF2-40B4-BE49-F238E27FC236}">
+                <a16:creationId xmlns:a16="http://schemas.microsoft.com/office/drawing/2014/main" id="{C3448402-074A-F063-B37C-2F6DAE2346CF}"/>
+              </a:ext>
+            </a:extLst>
+          </p:cNvPr>
+          <p:cNvSpPr>
+            <a:spLocks noGrp="1" noRot="1" noChangeAspect="1"/>
+          </p:cNvSpPr>
+          <p:nvPr>
+            <p:ph type="sldImg"/>
+          </p:nvPr>
+        </p:nvSpPr>
+        <p:spPr/>
+      </p:sp>
+      <p:sp>
+        <p:nvSpPr>
+          <p:cNvPr id="3" name="Notes Placeholder 2">
+            <a:extLst>
+              <a:ext uri="{FF2B5EF4-FFF2-40B4-BE49-F238E27FC236}">
+                <a16:creationId xmlns:a16="http://schemas.microsoft.com/office/drawing/2014/main" id="{8432E5B0-A79C-1C0F-C3C0-AE600FAA6351}"/>
+              </a:ext>
+            </a:extLst>
+          </p:cNvPr>
+          <p:cNvSpPr>
+            <a:spLocks noGrp="1"/>
+          </p:cNvSpPr>
+          <p:nvPr>
+            <p:ph type="body" idx="1"/>
+          </p:nvPr>
+        </p:nvSpPr>
+        <p:spPr/>
+        <p:txBody>
+          <a:bodyPr/>
+          <a:lstStyle/>
+          <a:p>
+            <a:r>
+              <a:rPr lang="en-US" dirty="0"/>
+              <a:t>SPI &amp; SD</a:t>
+            </a:r>
+          </a:p>
+        </p:txBody>
+      </p:sp>
+      <p:sp>
+        <p:nvSpPr>
+          <p:cNvPr id="4" name="Slide Number Placeholder 3">
+            <a:extLst>
+              <a:ext uri="{FF2B5EF4-FFF2-40B4-BE49-F238E27FC236}">
+                <a16:creationId xmlns:a16="http://schemas.microsoft.com/office/drawing/2014/main" id="{C428DE43-192E-00EB-8800-D4805C0B9D61}"/>
+              </a:ext>
+            </a:extLst>
+          </p:cNvPr>
+          <p:cNvSpPr>
+            <a:spLocks noGrp="1"/>
+          </p:cNvSpPr>
+          <p:nvPr>
+            <p:ph type="sldNum" sz="quarter" idx="5"/>
+          </p:nvPr>
+        </p:nvSpPr>
+        <p:spPr/>
+        <p:txBody>
+          <a:bodyPr/>
+          <a:lstStyle/>
+          <a:p>
+            <a:fld id="{7B23AD93-0CD7-4768-8FD0-693500F52F43}" type="slidenum">
+              <a:rPr lang="en-US" smtClean="0"/>
+              <a:t>7</a:t>
+            </a:fld>
+            <a:endParaRPr lang="en-US"/>
+          </a:p>
+        </p:txBody>
+      </p:sp>
+    </p:spTree>
+    <p:extLst>
+      <p:ext uri="{BB962C8B-B14F-4D97-AF65-F5344CB8AC3E}">
+        <p14:creationId xmlns:p14="http://schemas.microsoft.com/office/powerpoint/2010/main" val="1433544083"/>
+      </p:ext>
+    </p:extLst>
+  </p:cSld>
+  <p:clrMapOvr>
+    <a:masterClrMapping/>
+  </p:clrMapOvr>
+</p:notes>
+</file>
+
+<file path=ppt/notesSlides/notesSlide8.xml><?xml version="1.0" encoding="utf-8"?>
+<p:notes xmlns:a="http://schemas.openxmlformats.org/drawingml/2006/main" xmlns:r="http://schemas.openxmlformats.org/officeDocument/2006/relationships" xmlns:p="http://schemas.openxmlformats.org/presentationml/2006/main">
+  <p:cSld>
+    <p:spTree>
+      <p:nvGrpSpPr>
+        <p:cNvPr id="1" name="">
+          <a:extLst>
+            <a:ext uri="{FF2B5EF4-FFF2-40B4-BE49-F238E27FC236}">
+              <a16:creationId xmlns:a16="http://schemas.microsoft.com/office/drawing/2014/main" id="{F87542EB-D205-D58E-2E17-4048D4727BB3}"/>
+            </a:ext>
+          </a:extLst>
+        </p:cNvPr>
+        <p:cNvGrpSpPr/>
+        <p:nvPr/>
+      </p:nvGrpSpPr>
+      <p:grpSpPr>
+        <a:xfrm>
+          <a:off x="0" y="0"/>
+          <a:ext cx="0" cy="0"/>
+          <a:chOff x="0" y="0"/>
+          <a:chExt cx="0" cy="0"/>
+        </a:xfrm>
+      </p:grpSpPr>
+      <p:sp>
+        <p:nvSpPr>
+          <p:cNvPr id="2" name="Slide Image Placeholder 1">
+            <a:extLst>
+              <a:ext uri="{FF2B5EF4-FFF2-40B4-BE49-F238E27FC236}">
+                <a16:creationId xmlns:a16="http://schemas.microsoft.com/office/drawing/2014/main" id="{2396EB4F-3BEE-1B24-B5DF-A5CC7BE03D17}"/>
+              </a:ext>
+            </a:extLst>
+          </p:cNvPr>
+          <p:cNvSpPr>
+            <a:spLocks noGrp="1" noRot="1" noChangeAspect="1"/>
+          </p:cNvSpPr>
+          <p:nvPr>
+            <p:ph type="sldImg"/>
+          </p:nvPr>
+        </p:nvSpPr>
+        <p:spPr/>
+      </p:sp>
+      <p:sp>
+        <p:nvSpPr>
+          <p:cNvPr id="3" name="Notes Placeholder 2">
+            <a:extLst>
+              <a:ext uri="{FF2B5EF4-FFF2-40B4-BE49-F238E27FC236}">
+                <a16:creationId xmlns:a16="http://schemas.microsoft.com/office/drawing/2014/main" id="{F6139A1A-E0B6-F057-7D16-A3FEC67130C1}"/>
+              </a:ext>
+            </a:extLst>
+          </p:cNvPr>
+          <p:cNvSpPr>
+            <a:spLocks noGrp="1"/>
+          </p:cNvSpPr>
+          <p:nvPr>
+            <p:ph type="body" idx="1"/>
+          </p:nvPr>
+        </p:nvSpPr>
+        <p:spPr/>
+        <p:txBody>
+          <a:bodyPr/>
+          <a:lstStyle/>
+          <a:p>
+            <a:r>
+              <a:rPr lang="en-US" dirty="0"/>
+              <a:t>SPI &amp; SD &amp;&amp; SPIFFS</a:t>
+            </a:r>
+          </a:p>
+        </p:txBody>
+      </p:sp>
+      <p:sp>
+        <p:nvSpPr>
+          <p:cNvPr id="4" name="Slide Number Placeholder 3">
+            <a:extLst>
+              <a:ext uri="{FF2B5EF4-FFF2-40B4-BE49-F238E27FC236}">
+                <a16:creationId xmlns:a16="http://schemas.microsoft.com/office/drawing/2014/main" id="{0EE7FFE7-7ECB-5EE3-188E-DFEFFE856268}"/>
+              </a:ext>
+            </a:extLst>
+          </p:cNvPr>
+          <p:cNvSpPr>
+            <a:spLocks noGrp="1"/>
+          </p:cNvSpPr>
+          <p:nvPr>
+            <p:ph type="sldNum" sz="quarter" idx="5"/>
+          </p:nvPr>
+        </p:nvSpPr>
+        <p:spPr/>
+        <p:txBody>
+          <a:bodyPr/>
+          <a:lstStyle/>
+          <a:p>
+            <a:fld id="{7B23AD93-0CD7-4768-8FD0-693500F52F43}" type="slidenum">
+              <a:rPr lang="en-US" smtClean="0"/>
+              <a:t>8</a:t>
+            </a:fld>
+            <a:endParaRPr lang="en-US"/>
+          </a:p>
+        </p:txBody>
+      </p:sp>
+    </p:spTree>
+    <p:extLst>
+      <p:ext uri="{BB962C8B-B14F-4D97-AF65-F5344CB8AC3E}">
+        <p14:creationId xmlns:p14="http://schemas.microsoft.com/office/powerpoint/2010/main" val="1663246332"/>
+      </p:ext>
+    </p:extLst>
+  </p:cSld>
+  <p:clrMapOvr>
+    <a:masterClrMapping/>
+  </p:clrMapOvr>
+</p:notes>
+</file>
+
 <file path=ppt/slideLayouts/slideLayout1.xml><?xml version="1.0" encoding="utf-8"?>
 <p:sldLayout xmlns:a="http://schemas.openxmlformats.org/drawingml/2006/main" xmlns:r="http://schemas.openxmlformats.org/officeDocument/2006/relationships" xmlns:p="http://schemas.openxmlformats.org/presentationml/2006/main" type="title" preserve="1">
   <p:cSld name="Title Slide">
@@ -988,7 +1437,7 @@
           <a:p>
             <a:fld id="{8DAB330C-159B-44F0-AE5E-A4450E88A52E}" type="datetimeFigureOut">
               <a:rPr lang="en-US" smtClean="0"/>
-              <a:t>2/17/2025</a:t>
+              <a:t>2/18/2025</a:t>
             </a:fld>
             <a:endParaRPr lang="en-US"/>
           </a:p>
@@ -1186,7 +1635,7 @@
           <a:p>
             <a:fld id="{8DAB330C-159B-44F0-AE5E-A4450E88A52E}" type="datetimeFigureOut">
               <a:rPr lang="en-US" smtClean="0"/>
-              <a:t>2/17/2025</a:t>
+              <a:t>2/18/2025</a:t>
             </a:fld>
             <a:endParaRPr lang="en-US"/>
           </a:p>
@@ -1394,7 +1843,7 @@
           <a:p>
             <a:fld id="{8DAB330C-159B-44F0-AE5E-A4450E88A52E}" type="datetimeFigureOut">
               <a:rPr lang="en-US" smtClean="0"/>
-              <a:t>2/17/2025</a:t>
+              <a:t>2/18/2025</a:t>
             </a:fld>
             <a:endParaRPr lang="en-US"/>
           </a:p>
@@ -1592,7 +2041,7 @@
           <a:p>
             <a:fld id="{8DAB330C-159B-44F0-AE5E-A4450E88A52E}" type="datetimeFigureOut">
               <a:rPr lang="en-US" smtClean="0"/>
-              <a:t>2/17/2025</a:t>
+              <a:t>2/18/2025</a:t>
             </a:fld>
             <a:endParaRPr lang="en-US"/>
           </a:p>
@@ -1867,7 +2316,7 @@
           <a:p>
             <a:fld id="{8DAB330C-159B-44F0-AE5E-A4450E88A52E}" type="datetimeFigureOut">
               <a:rPr lang="en-US" smtClean="0"/>
-              <a:t>2/17/2025</a:t>
+              <a:t>2/18/2025</a:t>
             </a:fld>
             <a:endParaRPr lang="en-US"/>
           </a:p>
@@ -2132,7 +2581,7 @@
           <a:p>
             <a:fld id="{8DAB330C-159B-44F0-AE5E-A4450E88A52E}" type="datetimeFigureOut">
               <a:rPr lang="en-US" smtClean="0"/>
-              <a:t>2/17/2025</a:t>
+              <a:t>2/18/2025</a:t>
             </a:fld>
             <a:endParaRPr lang="en-US"/>
           </a:p>
@@ -2544,7 +2993,7 @@
           <a:p>
             <a:fld id="{8DAB330C-159B-44F0-AE5E-A4450E88A52E}" type="datetimeFigureOut">
               <a:rPr lang="en-US" smtClean="0"/>
-              <a:t>2/17/2025</a:t>
+              <a:t>2/18/2025</a:t>
             </a:fld>
             <a:endParaRPr lang="en-US"/>
           </a:p>
@@ -2685,7 +3134,7 @@
           <a:p>
             <a:fld id="{8DAB330C-159B-44F0-AE5E-A4450E88A52E}" type="datetimeFigureOut">
               <a:rPr lang="en-US" smtClean="0"/>
-              <a:t>2/17/2025</a:t>
+              <a:t>2/18/2025</a:t>
             </a:fld>
             <a:endParaRPr lang="en-US"/>
           </a:p>
@@ -2798,7 +3247,7 @@
           <a:p>
             <a:fld id="{8DAB330C-159B-44F0-AE5E-A4450E88A52E}" type="datetimeFigureOut">
               <a:rPr lang="en-US" smtClean="0"/>
-              <a:t>2/17/2025</a:t>
+              <a:t>2/18/2025</a:t>
             </a:fld>
             <a:endParaRPr lang="en-US"/>
           </a:p>
@@ -3109,7 +3558,7 @@
           <a:p>
             <a:fld id="{8DAB330C-159B-44F0-AE5E-A4450E88A52E}" type="datetimeFigureOut">
               <a:rPr lang="en-US" smtClean="0"/>
-              <a:t>2/17/2025</a:t>
+              <a:t>2/18/2025</a:t>
             </a:fld>
             <a:endParaRPr lang="en-US"/>
           </a:p>
@@ -3397,7 +3846,7 @@
           <a:p>
             <a:fld id="{8DAB330C-159B-44F0-AE5E-A4450E88A52E}" type="datetimeFigureOut">
               <a:rPr lang="en-US" smtClean="0"/>
-              <a:t>2/17/2025</a:t>
+              <a:t>2/18/2025</a:t>
             </a:fld>
             <a:endParaRPr lang="en-US"/>
           </a:p>
@@ -3638,7 +4087,7 @@
           <a:p>
             <a:fld id="{8DAB330C-159B-44F0-AE5E-A4450E88A52E}" type="datetimeFigureOut">
               <a:rPr lang="en-US" smtClean="0"/>
-              <a:t>2/17/2025</a:t>
+              <a:t>2/18/2025</a:t>
             </a:fld>
             <a:endParaRPr lang="en-US"/>
           </a:p>
@@ -6106,12 +6555,84 @@
           <a:chExt cx="0" cy="0"/>
         </a:xfrm>
       </p:grpSpPr>
-      <p:sp>
-        <p:nvSpPr>
-          <p:cNvPr id="13" name="Oval 12">
-            <a:extLst>
-              <a:ext uri="{FF2B5EF4-FFF2-40B4-BE49-F238E27FC236}">
-                <a16:creationId xmlns:a16="http://schemas.microsoft.com/office/drawing/2014/main" id="{47CD2843-9DC4-A98C-A625-3B137D30F8A9}"/>
+    </p:spTree>
+    <p:extLst>
+      <p:ext uri="{BB962C8B-B14F-4D97-AF65-F5344CB8AC3E}">
+        <p14:creationId xmlns:p14="http://schemas.microsoft.com/office/powerpoint/2010/main" val="212955899"/>
+      </p:ext>
+    </p:extLst>
+  </p:cSld>
+  <p:clrMapOvr>
+    <a:masterClrMapping/>
+  </p:clrMapOvr>
+</p:sld>
+</file>
+
+<file path=ppt/slides/slide5.xml><?xml version="1.0" encoding="utf-8"?>
+<p:sld xmlns:a="http://schemas.openxmlformats.org/drawingml/2006/main" xmlns:r="http://schemas.openxmlformats.org/officeDocument/2006/relationships" xmlns:p="http://schemas.openxmlformats.org/presentationml/2006/main">
+  <p:cSld>
+    <p:spTree>
+      <p:nvGrpSpPr>
+        <p:cNvPr id="1" name="">
+          <a:extLst>
+            <a:ext uri="{FF2B5EF4-FFF2-40B4-BE49-F238E27FC236}">
+              <a16:creationId xmlns:a16="http://schemas.microsoft.com/office/drawing/2014/main" id="{F34579DB-324E-044D-1B43-6C409705117C}"/>
+            </a:ext>
+          </a:extLst>
+        </p:cNvPr>
+        <p:cNvGrpSpPr/>
+        <p:nvPr/>
+      </p:nvGrpSpPr>
+      <p:grpSpPr>
+        <a:xfrm>
+          <a:off x="0" y="0"/>
+          <a:ext cx="0" cy="0"/>
+          <a:chOff x="0" y="0"/>
+          <a:chExt cx="0" cy="0"/>
+        </a:xfrm>
+      </p:grpSpPr>
+    </p:spTree>
+    <p:extLst>
+      <p:ext uri="{BB962C8B-B14F-4D97-AF65-F5344CB8AC3E}">
+        <p14:creationId xmlns:p14="http://schemas.microsoft.com/office/powerpoint/2010/main" val="2704313818"/>
+      </p:ext>
+    </p:extLst>
+  </p:cSld>
+  <p:clrMapOvr>
+    <a:masterClrMapping/>
+  </p:clrMapOvr>
+</p:sld>
+</file>
+
+<file path=ppt/slides/slide6.xml><?xml version="1.0" encoding="utf-8"?>
+<p:sld xmlns:a="http://schemas.openxmlformats.org/drawingml/2006/main" xmlns:r="http://schemas.openxmlformats.org/officeDocument/2006/relationships" xmlns:p="http://schemas.openxmlformats.org/presentationml/2006/main">
+  <p:cSld>
+    <p:spTree>
+      <p:nvGrpSpPr>
+        <p:cNvPr id="1" name="">
+          <a:extLst>
+            <a:ext uri="{FF2B5EF4-FFF2-40B4-BE49-F238E27FC236}">
+              <a16:creationId xmlns:a16="http://schemas.microsoft.com/office/drawing/2014/main" id="{96207FBE-26A7-C997-D0B6-F354FEBD992F}"/>
+            </a:ext>
+          </a:extLst>
+        </p:cNvPr>
+        <p:cNvGrpSpPr/>
+        <p:nvPr/>
+      </p:nvGrpSpPr>
+      <p:grpSpPr>
+        <a:xfrm>
+          <a:off x="0" y="0"/>
+          <a:ext cx="0" cy="0"/>
+          <a:chOff x="0" y="0"/>
+          <a:chExt cx="0" cy="0"/>
+        </a:xfrm>
+      </p:grpSpPr>
+      <p:sp>
+        <p:nvSpPr>
+          <p:cNvPr id="2" name="Oval 1">
+            <a:extLst>
+              <a:ext uri="{FF2B5EF4-FFF2-40B4-BE49-F238E27FC236}">
+                <a16:creationId xmlns:a16="http://schemas.microsoft.com/office/drawing/2014/main" id="{DA4EB32A-E465-D56C-B2F9-5F3E43566235}"/>
               </a:ext>
             </a:extLst>
           </p:cNvPr>
@@ -6120,7 +6641,7 @@
         </p:nvSpPr>
         <p:spPr>
           <a:xfrm>
-            <a:off x="2166330" y="1835644"/>
+            <a:off x="2166330" y="2416409"/>
             <a:ext cx="1149650" cy="1149650"/>
           </a:xfrm>
           <a:prstGeom prst="ellipse">
@@ -6176,10 +6697,10 @@
       </p:sp>
       <p:sp>
         <p:nvSpPr>
-          <p:cNvPr id="14" name="Oval 13">
-            <a:extLst>
-              <a:ext uri="{FF2B5EF4-FFF2-40B4-BE49-F238E27FC236}">
-                <a16:creationId xmlns:a16="http://schemas.microsoft.com/office/drawing/2014/main" id="{41BB1711-D578-98F4-FC7D-9F1F8D7EFFD9}"/>
+          <p:cNvPr id="3" name="Oval 2">
+            <a:extLst>
+              <a:ext uri="{FF2B5EF4-FFF2-40B4-BE49-F238E27FC236}">
+                <a16:creationId xmlns:a16="http://schemas.microsoft.com/office/drawing/2014/main" id="{5BF4240C-E8DA-069C-D245-80EB6A6946AC}"/>
               </a:ext>
             </a:extLst>
           </p:cNvPr>
@@ -6188,7 +6709,7 @@
         </p:nvSpPr>
         <p:spPr>
           <a:xfrm>
-            <a:off x="5521175" y="1835643"/>
+            <a:off x="5521175" y="2416408"/>
             <a:ext cx="1149650" cy="1149650"/>
           </a:xfrm>
           <a:prstGeom prst="ellipse">
@@ -6223,14 +6744,14 @@
           <a:p>
             <a:pPr algn="ctr"/>
             <a:r>
-              <a:rPr lang="en-US" altLang="zh-CN" sz="1600" dirty="0">
+              <a:rPr lang="en-US" altLang="zh-CN" sz="1600" dirty="0" err="1">
                 <a:solidFill>
                   <a:schemeClr val="tx1"/>
                 </a:solidFill>
                 <a:latin typeface="Times New Roman" panose="02020603050405020304" pitchFamily="18" charset="0"/>
                 <a:cs typeface="Times New Roman" panose="02020603050405020304" pitchFamily="18" charset="0"/>
               </a:rPr>
-              <a:t>led</a:t>
+              <a:t>spi</a:t>
             </a:r>
             <a:endParaRPr lang="en-US" sz="1600" dirty="0">
               <a:solidFill>
@@ -6244,10 +6765,10 @@
       </p:sp>
       <p:sp>
         <p:nvSpPr>
-          <p:cNvPr id="16" name="Oval 15">
-            <a:extLst>
-              <a:ext uri="{FF2B5EF4-FFF2-40B4-BE49-F238E27FC236}">
-                <a16:creationId xmlns:a16="http://schemas.microsoft.com/office/drawing/2014/main" id="{9B5A8099-405B-8D8B-8E98-78B5DE13A7B1}"/>
+          <p:cNvPr id="4" name="Oval 3">
+            <a:extLst>
+              <a:ext uri="{FF2B5EF4-FFF2-40B4-BE49-F238E27FC236}">
+                <a16:creationId xmlns:a16="http://schemas.microsoft.com/office/drawing/2014/main" id="{09951DD5-8043-EB16-C397-007E82A48BA8}"/>
               </a:ext>
             </a:extLst>
           </p:cNvPr>
@@ -6256,7 +6777,7 @@
         </p:nvSpPr>
         <p:spPr>
           <a:xfrm>
-            <a:off x="7791832" y="1835643"/>
+            <a:off x="7791832" y="2416408"/>
             <a:ext cx="1149650" cy="1149650"/>
           </a:xfrm>
           <a:prstGeom prst="ellipse">
@@ -6313,7 +6834,7 @@
                 <a:latin typeface="Times New Roman" panose="02020603050405020304" pitchFamily="18" charset="0"/>
                 <a:cs typeface="Times New Roman" panose="02020603050405020304" pitchFamily="18" charset="0"/>
               </a:rPr>
-              <a:t>gpio</a:t>
+              <a:t>spi_master</a:t>
             </a:r>
             <a:endParaRPr lang="en-US" sz="1600" dirty="0">
               <a:solidFill>
@@ -6327,10 +6848,10 @@
       </p:sp>
       <p:grpSp>
         <p:nvGrpSpPr>
-          <p:cNvPr id="19" name="Group 18">
-            <a:extLst>
-              <a:ext uri="{FF2B5EF4-FFF2-40B4-BE49-F238E27FC236}">
-                <a16:creationId xmlns:a16="http://schemas.microsoft.com/office/drawing/2014/main" id="{722FE2E5-CB61-B0F1-39DD-0A77A8D884D6}"/>
+          <p:cNvPr id="5" name="Group 4">
+            <a:extLst>
+              <a:ext uri="{FF2B5EF4-FFF2-40B4-BE49-F238E27FC236}">
+                <a16:creationId xmlns:a16="http://schemas.microsoft.com/office/drawing/2014/main" id="{0F80FBFE-CFD9-9528-E24B-58C44CC58993}"/>
               </a:ext>
             </a:extLst>
           </p:cNvPr>
@@ -6347,10 +6868,10 @@
         </p:grpSpPr>
         <p:sp>
           <p:nvSpPr>
-            <p:cNvPr id="20" name="Oval 19">
+            <p:cNvPr id="6" name="Oval 5">
               <a:extLst>
                 <a:ext uri="{FF2B5EF4-FFF2-40B4-BE49-F238E27FC236}">
-                  <a16:creationId xmlns:a16="http://schemas.microsoft.com/office/drawing/2014/main" id="{8F019312-07D8-7062-3E94-BBDCCEFAC762}"/>
+                  <a16:creationId xmlns:a16="http://schemas.microsoft.com/office/drawing/2014/main" id="{277C18A0-6F4B-2F26-7287-622CBA40F174}"/>
                 </a:ext>
               </a:extLst>
             </p:cNvPr>
@@ -6408,10 +6929,10 @@
         </p:sp>
         <p:sp>
           <p:nvSpPr>
-            <p:cNvPr id="21" name="Oval 20">
+            <p:cNvPr id="7" name="Oval 6">
               <a:extLst>
                 <a:ext uri="{FF2B5EF4-FFF2-40B4-BE49-F238E27FC236}">
-                  <a16:creationId xmlns:a16="http://schemas.microsoft.com/office/drawing/2014/main" id="{970F36F8-1C88-B687-FF7E-8CF458F94C6D}"/>
+                  <a16:creationId xmlns:a16="http://schemas.microsoft.com/office/drawing/2014/main" id="{65686051-E056-0E85-4F91-157FFF025D77}"/>
                 </a:ext>
               </a:extLst>
             </p:cNvPr>
@@ -6481,10 +7002,10 @@
         </p:sp>
         <p:sp>
           <p:nvSpPr>
-            <p:cNvPr id="22" name="Rectangle 21">
+            <p:cNvPr id="8" name="Rectangle 7">
               <a:extLst>
                 <a:ext uri="{FF2B5EF4-FFF2-40B4-BE49-F238E27FC236}">
-                  <a16:creationId xmlns:a16="http://schemas.microsoft.com/office/drawing/2014/main" id="{0A5B73A8-ACE5-DC22-207C-B8256D9394AD}"/>
+                  <a16:creationId xmlns:a16="http://schemas.microsoft.com/office/drawing/2014/main" id="{332DFB30-2722-6C95-4B74-A214A5BF47AF}"/>
                 </a:ext>
               </a:extLst>
             </p:cNvPr>
@@ -6527,12 +7048,98 @@
           </p:txBody>
         </p:sp>
       </p:grpSp>
-      <p:sp>
-        <p:nvSpPr>
-          <p:cNvPr id="23" name="Oval 22">
-            <a:extLst>
-              <a:ext uri="{FF2B5EF4-FFF2-40B4-BE49-F238E27FC236}">
-                <a16:creationId xmlns:a16="http://schemas.microsoft.com/office/drawing/2014/main" id="{3AFD0325-36AF-C024-B2F5-316CC62F555D}"/>
+      <p:cxnSp>
+        <p:nvCxnSpPr>
+          <p:cNvPr id="12" name="Straight Arrow Connector 11">
+            <a:extLst>
+              <a:ext uri="{FF2B5EF4-FFF2-40B4-BE49-F238E27FC236}">
+                <a16:creationId xmlns:a16="http://schemas.microsoft.com/office/drawing/2014/main" id="{4B0734BA-AC87-5F4E-BF2A-6009469D0511}"/>
+              </a:ext>
+            </a:extLst>
+          </p:cNvPr>
+          <p:cNvCxnSpPr>
+            <a:cxnSpLocks/>
+            <a:stCxn id="4" idx="2"/>
+            <a:endCxn id="3" idx="6"/>
+          </p:cNvCxnSpPr>
+          <p:nvPr/>
+        </p:nvCxnSpPr>
+        <p:spPr>
+          <a:xfrm flipH="1">
+            <a:off x="6670825" y="2991233"/>
+            <a:ext cx="1121007" cy="0"/>
+          </a:xfrm>
+          <a:prstGeom prst="straightConnector1">
+            <a:avLst/>
+          </a:prstGeom>
+          <a:ln>
+            <a:tailEnd type="triangle"/>
+          </a:ln>
+        </p:spPr>
+        <p:style>
+          <a:lnRef idx="2">
+            <a:schemeClr val="dk1"/>
+          </a:lnRef>
+          <a:fillRef idx="0">
+            <a:schemeClr val="dk1"/>
+          </a:fillRef>
+          <a:effectRef idx="1">
+            <a:schemeClr val="dk1"/>
+          </a:effectRef>
+          <a:fontRef idx="minor">
+            <a:schemeClr val="tx1"/>
+          </a:fontRef>
+        </p:style>
+      </p:cxnSp>
+      <p:cxnSp>
+        <p:nvCxnSpPr>
+          <p:cNvPr id="15" name="Straight Arrow Connector 14">
+            <a:extLst>
+              <a:ext uri="{FF2B5EF4-FFF2-40B4-BE49-F238E27FC236}">
+                <a16:creationId xmlns:a16="http://schemas.microsoft.com/office/drawing/2014/main" id="{380723E9-EA39-4946-6FBD-513A311C4514}"/>
+              </a:ext>
+            </a:extLst>
+          </p:cNvPr>
+          <p:cNvCxnSpPr>
+            <a:cxnSpLocks/>
+            <a:stCxn id="3" idx="2"/>
+            <a:endCxn id="2" idx="6"/>
+          </p:cNvCxnSpPr>
+          <p:nvPr/>
+        </p:nvCxnSpPr>
+        <p:spPr>
+          <a:xfrm flipH="1">
+            <a:off x="3315980" y="2991233"/>
+            <a:ext cx="2205195" cy="1"/>
+          </a:xfrm>
+          <a:prstGeom prst="straightConnector1">
+            <a:avLst/>
+          </a:prstGeom>
+          <a:ln>
+            <a:tailEnd type="triangle"/>
+          </a:ln>
+        </p:spPr>
+        <p:style>
+          <a:lnRef idx="2">
+            <a:schemeClr val="dk1"/>
+          </a:lnRef>
+          <a:fillRef idx="0">
+            <a:schemeClr val="dk1"/>
+          </a:fillRef>
+          <a:effectRef idx="1">
+            <a:schemeClr val="dk1"/>
+          </a:effectRef>
+          <a:fontRef idx="minor">
+            <a:schemeClr val="tx1"/>
+          </a:fontRef>
+        </p:style>
+      </p:cxnSp>
+      <p:sp>
+        <p:nvSpPr>
+          <p:cNvPr id="20" name="Oval 19">
+            <a:extLst>
+              <a:ext uri="{FF2B5EF4-FFF2-40B4-BE49-F238E27FC236}">
+                <a16:creationId xmlns:a16="http://schemas.microsoft.com/office/drawing/2014/main" id="{A11F0598-E6A3-734F-1CE8-1CC203CB93AB}"/>
               </a:ext>
             </a:extLst>
           </p:cNvPr>
@@ -6541,7 +7148,7 @@
         </p:nvSpPr>
         <p:spPr>
           <a:xfrm>
-            <a:off x="3574749" y="312666"/>
+            <a:off x="3572705" y="759382"/>
             <a:ext cx="1149650" cy="1149650"/>
           </a:xfrm>
           <a:prstGeom prst="ellipse">
@@ -6576,45 +7183,38 @@
           <a:p>
             <a:pPr algn="ctr"/>
             <a:r>
-              <a:rPr lang="en-US" altLang="zh-CN" sz="1600" dirty="0">
+              <a:rPr lang="en-US" sz="1600" dirty="0">
                 <a:solidFill>
                   <a:schemeClr val="tx1"/>
                 </a:solidFill>
                 <a:latin typeface="Times New Roman" panose="02020603050405020304" pitchFamily="18" charset="0"/>
                 <a:cs typeface="Times New Roman" panose="02020603050405020304" pitchFamily="18" charset="0"/>
               </a:rPr>
-              <a:t>exit</a:t>
-            </a:r>
-            <a:endParaRPr lang="en-US" sz="1600" dirty="0">
-              <a:solidFill>
-                <a:schemeClr val="tx1"/>
-              </a:solidFill>
-              <a:latin typeface="Times New Roman" panose="02020603050405020304" pitchFamily="18" charset="0"/>
-              <a:cs typeface="Times New Roman" panose="02020603050405020304" pitchFamily="18" charset="0"/>
-            </a:endParaRPr>
+              <a:t>LCD</a:t>
+            </a:r>
           </a:p>
         </p:txBody>
       </p:sp>
       <p:cxnSp>
         <p:nvCxnSpPr>
-          <p:cNvPr id="25" name="Straight Arrow Connector 24">
-            <a:extLst>
-              <a:ext uri="{FF2B5EF4-FFF2-40B4-BE49-F238E27FC236}">
-                <a16:creationId xmlns:a16="http://schemas.microsoft.com/office/drawing/2014/main" id="{BFE5ADD2-8005-6F0A-A271-2FB623F470E2}"/>
+          <p:cNvPr id="21" name="Straight Arrow Connector 20">
+            <a:extLst>
+              <a:ext uri="{FF2B5EF4-FFF2-40B4-BE49-F238E27FC236}">
+                <a16:creationId xmlns:a16="http://schemas.microsoft.com/office/drawing/2014/main" id="{A873EAD4-0FB8-D75E-567C-FD8C05613F09}"/>
               </a:ext>
             </a:extLst>
           </p:cNvPr>
           <p:cNvCxnSpPr>
             <a:cxnSpLocks/>
-            <a:stCxn id="23" idx="3"/>
-            <a:endCxn id="13" idx="7"/>
+            <a:stCxn id="3" idx="1"/>
+            <a:endCxn id="20" idx="5"/>
           </p:cNvCxnSpPr>
           <p:nvPr/>
         </p:nvCxnSpPr>
         <p:spPr>
-          <a:xfrm flipH="1">
-            <a:off x="3147618" y="1293954"/>
-            <a:ext cx="595493" cy="710052"/>
+          <a:xfrm flipH="1" flipV="1">
+            <a:off x="4553993" y="1740670"/>
+            <a:ext cx="1135544" cy="844100"/>
           </a:xfrm>
           <a:prstGeom prst="straightConnector1">
             <a:avLst/>
@@ -6638,12 +7238,55 @@
           </a:fontRef>
         </p:style>
       </p:cxnSp>
-      <p:sp>
-        <p:nvSpPr>
-          <p:cNvPr id="26" name="Oval 25">
-            <a:extLst>
-              <a:ext uri="{FF2B5EF4-FFF2-40B4-BE49-F238E27FC236}">
-                <a16:creationId xmlns:a16="http://schemas.microsoft.com/office/drawing/2014/main" id="{EFB5BB15-EFCF-7D42-CA8E-8EB72B9670ED}"/>
+      <p:cxnSp>
+        <p:nvCxnSpPr>
+          <p:cNvPr id="27" name="Straight Arrow Connector 26">
+            <a:extLst>
+              <a:ext uri="{FF2B5EF4-FFF2-40B4-BE49-F238E27FC236}">
+                <a16:creationId xmlns:a16="http://schemas.microsoft.com/office/drawing/2014/main" id="{8CE04E72-6D70-229F-3CD3-7CFD18D7D051}"/>
+              </a:ext>
+            </a:extLst>
+          </p:cNvPr>
+          <p:cNvCxnSpPr>
+            <a:cxnSpLocks/>
+            <a:stCxn id="20" idx="3"/>
+            <a:endCxn id="2" idx="7"/>
+          </p:cNvCxnSpPr>
+          <p:nvPr/>
+        </p:nvCxnSpPr>
+        <p:spPr>
+          <a:xfrm flipH="1">
+            <a:off x="3147618" y="1740670"/>
+            <a:ext cx="593449" cy="844101"/>
+          </a:xfrm>
+          <a:prstGeom prst="straightConnector1">
+            <a:avLst/>
+          </a:prstGeom>
+          <a:ln>
+            <a:tailEnd type="triangle"/>
+          </a:ln>
+        </p:spPr>
+        <p:style>
+          <a:lnRef idx="2">
+            <a:schemeClr val="dk1"/>
+          </a:lnRef>
+          <a:fillRef idx="0">
+            <a:schemeClr val="dk1"/>
+          </a:fillRef>
+          <a:effectRef idx="1">
+            <a:schemeClr val="dk1"/>
+          </a:effectRef>
+          <a:fontRef idx="minor">
+            <a:schemeClr val="tx1"/>
+          </a:fontRef>
+        </p:style>
+      </p:cxnSp>
+      <p:sp>
+        <p:nvSpPr>
+          <p:cNvPr id="34" name="Oval 33">
+            <a:extLst>
+              <a:ext uri="{FF2B5EF4-FFF2-40B4-BE49-F238E27FC236}">
+                <a16:creationId xmlns:a16="http://schemas.microsoft.com/office/drawing/2014/main" id="{A9E992CF-EB0A-6C78-ECAC-420C327A3950}"/>
               </a:ext>
             </a:extLst>
           </p:cNvPr>
@@ -6652,7 +7295,7 @@
         </p:nvSpPr>
         <p:spPr>
           <a:xfrm>
-            <a:off x="7781601" y="312666"/>
+            <a:off x="7791832" y="759382"/>
             <a:ext cx="1149650" cy="1149650"/>
           </a:xfrm>
           <a:prstGeom prst="ellipse">
@@ -6692,6 +7335,16 @@
           <a:p>
             <a:pPr algn="ctr"/>
             <a:r>
+              <a:rPr lang="en-US" altLang="zh-CN" sz="1600" dirty="0">
+                <a:solidFill>
+                  <a:schemeClr val="tx1"/>
+                </a:solidFill>
+                <a:latin typeface="Times New Roman" panose="02020603050405020304" pitchFamily="18" charset="0"/>
+                <a:cs typeface="Times New Roman" panose="02020603050405020304" pitchFamily="18" charset="0"/>
+              </a:rPr>
+              <a:t>driver/</a:t>
+            </a:r>
+            <a:r>
               <a:rPr lang="en-US" altLang="zh-CN" sz="1600" dirty="0" err="1">
                 <a:solidFill>
                   <a:schemeClr val="tx1"/>
@@ -6699,7 +7352,7 @@
                 <a:latin typeface="Times New Roman" panose="02020603050405020304" pitchFamily="18" charset="0"/>
                 <a:cs typeface="Times New Roman" panose="02020603050405020304" pitchFamily="18" charset="0"/>
               </a:rPr>
-              <a:t>esp_timer</a:t>
+              <a:t>gpio</a:t>
             </a:r>
             <a:endParaRPr lang="en-US" sz="1600" dirty="0">
               <a:solidFill>
@@ -6713,24 +7366,24 @@
       </p:sp>
       <p:cxnSp>
         <p:nvCxnSpPr>
-          <p:cNvPr id="28" name="Straight Arrow Connector 27">
-            <a:extLst>
-              <a:ext uri="{FF2B5EF4-FFF2-40B4-BE49-F238E27FC236}">
-                <a16:creationId xmlns:a16="http://schemas.microsoft.com/office/drawing/2014/main" id="{F93573D5-E458-E281-0FBC-81D3C6FBEEC4}"/>
+          <p:cNvPr id="35" name="Straight Arrow Connector 34">
+            <a:extLst>
+              <a:ext uri="{FF2B5EF4-FFF2-40B4-BE49-F238E27FC236}">
+                <a16:creationId xmlns:a16="http://schemas.microsoft.com/office/drawing/2014/main" id="{F0E90685-CCDB-D46E-974F-37BB160FEB06}"/>
               </a:ext>
             </a:extLst>
           </p:cNvPr>
           <p:cNvCxnSpPr>
             <a:cxnSpLocks/>
-            <a:stCxn id="16" idx="2"/>
-            <a:endCxn id="14" idx="6"/>
+            <a:stCxn id="34" idx="3"/>
+            <a:endCxn id="3" idx="7"/>
           </p:cNvCxnSpPr>
           <p:nvPr/>
         </p:nvCxnSpPr>
         <p:spPr>
           <a:xfrm flipH="1">
-            <a:off x="6670825" y="2410468"/>
-            <a:ext cx="1121007" cy="0"/>
+            <a:off x="6502463" y="1740670"/>
+            <a:ext cx="1457731" cy="844100"/>
           </a:xfrm>
           <a:prstGeom prst="straightConnector1">
             <a:avLst/>
@@ -6756,24 +7409,24 @@
       </p:cxnSp>
       <p:cxnSp>
         <p:nvCxnSpPr>
-          <p:cNvPr id="31" name="Straight Arrow Connector 30">
-            <a:extLst>
-              <a:ext uri="{FF2B5EF4-FFF2-40B4-BE49-F238E27FC236}">
-                <a16:creationId xmlns:a16="http://schemas.microsoft.com/office/drawing/2014/main" id="{99C47339-A082-3153-DB30-5C5BB9903B4B}"/>
+          <p:cNvPr id="38" name="Straight Arrow Connector 37">
+            <a:extLst>
+              <a:ext uri="{FF2B5EF4-FFF2-40B4-BE49-F238E27FC236}">
+                <a16:creationId xmlns:a16="http://schemas.microsoft.com/office/drawing/2014/main" id="{87407DB7-7025-1010-0C84-7689CBE49EDE}"/>
               </a:ext>
             </a:extLst>
           </p:cNvPr>
           <p:cNvCxnSpPr>
             <a:cxnSpLocks/>
-            <a:stCxn id="26" idx="2"/>
-            <a:endCxn id="23" idx="6"/>
+            <a:stCxn id="34" idx="2"/>
+            <a:endCxn id="20" idx="6"/>
           </p:cNvCxnSpPr>
           <p:nvPr/>
         </p:nvCxnSpPr>
         <p:spPr>
           <a:xfrm flipH="1">
-            <a:off x="4724399" y="887491"/>
-            <a:ext cx="3057202" cy="0"/>
+            <a:off x="4722355" y="1334207"/>
+            <a:ext cx="3069477" cy="0"/>
           </a:xfrm>
           <a:prstGeom prst="straightConnector1">
             <a:avLst/>
@@ -6797,98 +7450,48 @@
           </a:fontRef>
         </p:style>
       </p:cxnSp>
-      <p:cxnSp>
-        <p:nvCxnSpPr>
-          <p:cNvPr id="36" name="Straight Arrow Connector 35">
-            <a:extLst>
-              <a:ext uri="{FF2B5EF4-FFF2-40B4-BE49-F238E27FC236}">
-                <a16:creationId xmlns:a16="http://schemas.microsoft.com/office/drawing/2014/main" id="{58B904D3-3146-35EC-A84F-D802DCE6424D}"/>
-              </a:ext>
-            </a:extLst>
-          </p:cNvPr>
-          <p:cNvCxnSpPr>
-            <a:cxnSpLocks/>
-            <a:stCxn id="14" idx="1"/>
-            <a:endCxn id="23" idx="5"/>
-          </p:cNvCxnSpPr>
-          <p:nvPr/>
-        </p:nvCxnSpPr>
-        <p:spPr>
-          <a:xfrm flipH="1" flipV="1">
-            <a:off x="4556037" y="1293954"/>
-            <a:ext cx="1133500" cy="710051"/>
-          </a:xfrm>
-          <a:prstGeom prst="straightConnector1">
-            <a:avLst/>
-          </a:prstGeom>
-          <a:ln>
-            <a:tailEnd type="triangle"/>
-          </a:ln>
-        </p:spPr>
-        <p:style>
-          <a:lnRef idx="2">
-            <a:schemeClr val="dk1"/>
-          </a:lnRef>
-          <a:fillRef idx="0">
-            <a:schemeClr val="dk1"/>
-          </a:fillRef>
-          <a:effectRef idx="1">
-            <a:schemeClr val="dk1"/>
-          </a:effectRef>
-          <a:fontRef idx="minor">
-            <a:schemeClr val="tx1"/>
-          </a:fontRef>
-        </p:style>
-      </p:cxnSp>
-      <p:cxnSp>
-        <p:nvCxnSpPr>
-          <p:cNvPr id="39" name="Straight Arrow Connector 38">
-            <a:extLst>
-              <a:ext uri="{FF2B5EF4-FFF2-40B4-BE49-F238E27FC236}">
-                <a16:creationId xmlns:a16="http://schemas.microsoft.com/office/drawing/2014/main" id="{3A32BAA1-8751-0251-A799-E662AF4C01E1}"/>
-              </a:ext>
-            </a:extLst>
-          </p:cNvPr>
-          <p:cNvCxnSpPr>
-            <a:cxnSpLocks/>
-            <a:stCxn id="14" idx="2"/>
-            <a:endCxn id="13" idx="6"/>
-          </p:cNvCxnSpPr>
-          <p:nvPr/>
-        </p:nvCxnSpPr>
-        <p:spPr>
-          <a:xfrm flipH="1">
-            <a:off x="3315980" y="2410468"/>
-            <a:ext cx="2205195" cy="1"/>
-          </a:xfrm>
-          <a:prstGeom prst="straightConnector1">
-            <a:avLst/>
-          </a:prstGeom>
-          <a:ln>
-            <a:tailEnd type="triangle"/>
-          </a:ln>
-        </p:spPr>
-        <p:style>
-          <a:lnRef idx="2">
-            <a:schemeClr val="dk1"/>
-          </a:lnRef>
-          <a:fillRef idx="0">
-            <a:schemeClr val="dk1"/>
-          </a:fillRef>
-          <a:effectRef idx="1">
-            <a:schemeClr val="dk1"/>
-          </a:effectRef>
-          <a:fontRef idx="minor">
-            <a:schemeClr val="tx1"/>
-          </a:fontRef>
-        </p:style>
-      </p:cxnSp>
+    </p:spTree>
+    <p:extLst>
+      <p:ext uri="{BB962C8B-B14F-4D97-AF65-F5344CB8AC3E}">
+        <p14:creationId xmlns:p14="http://schemas.microsoft.com/office/powerpoint/2010/main" val="555835147"/>
+      </p:ext>
+    </p:extLst>
+  </p:cSld>
+  <p:clrMapOvr>
+    <a:masterClrMapping/>
+  </p:clrMapOvr>
+</p:sld>
+</file>
+
+<file path=ppt/slides/slide7.xml><?xml version="1.0" encoding="utf-8"?>
+<p:sld xmlns:a="http://schemas.openxmlformats.org/drawingml/2006/main" xmlns:r="http://schemas.openxmlformats.org/officeDocument/2006/relationships" xmlns:p="http://schemas.openxmlformats.org/presentationml/2006/main">
+  <p:cSld>
+    <p:spTree>
+      <p:nvGrpSpPr>
+        <p:cNvPr id="1" name="">
+          <a:extLst>
+            <a:ext uri="{FF2B5EF4-FFF2-40B4-BE49-F238E27FC236}">
+              <a16:creationId xmlns:a16="http://schemas.microsoft.com/office/drawing/2014/main" id="{642793D8-251C-C37D-87DD-8483B0A7E1B8}"/>
+            </a:ext>
+          </a:extLst>
+        </p:cNvPr>
+        <p:cNvGrpSpPr/>
+        <p:nvPr/>
+      </p:nvGrpSpPr>
+      <p:grpSpPr>
+        <a:xfrm>
+          <a:off x="0" y="0"/>
+          <a:ext cx="0" cy="0"/>
+          <a:chOff x="0" y="0"/>
+          <a:chExt cx="0" cy="0"/>
+        </a:xfrm>
+      </p:grpSpPr>
       <p:sp>
         <p:nvSpPr>
           <p:cNvPr id="2" name="Oval 1">
             <a:extLst>
               <a:ext uri="{FF2B5EF4-FFF2-40B4-BE49-F238E27FC236}">
-                <a16:creationId xmlns:a16="http://schemas.microsoft.com/office/drawing/2014/main" id="{C753E7F8-23AF-146A-393F-885B830B1A25}"/>
+                <a16:creationId xmlns:a16="http://schemas.microsoft.com/office/drawing/2014/main" id="{3144B6E8-1063-7376-132A-EB921D4B6F12}"/>
               </a:ext>
             </a:extLst>
           </p:cNvPr>
@@ -6897,7 +7500,7 @@
         </p:nvSpPr>
         <p:spPr>
           <a:xfrm>
-            <a:off x="3574749" y="3297882"/>
+            <a:off x="2166330" y="4069217"/>
             <a:ext cx="1149650" cy="1149650"/>
           </a:xfrm>
           <a:prstGeom prst="ellipse">
@@ -6932,6 +7535,74 @@
           <a:p>
             <a:pPr algn="ctr"/>
             <a:r>
+              <a:rPr lang="en-US" altLang="zh-CN" sz="1600" dirty="0">
+                <a:solidFill>
+                  <a:schemeClr val="tx1"/>
+                </a:solidFill>
+                <a:latin typeface="Times New Roman" panose="02020603050405020304" pitchFamily="18" charset="0"/>
+                <a:cs typeface="Times New Roman" panose="02020603050405020304" pitchFamily="18" charset="0"/>
+              </a:rPr>
+              <a:t>main</a:t>
+            </a:r>
+            <a:endParaRPr lang="en-US" sz="1600" dirty="0">
+              <a:solidFill>
+                <a:schemeClr val="tx1"/>
+              </a:solidFill>
+              <a:latin typeface="Times New Roman" panose="02020603050405020304" pitchFamily="18" charset="0"/>
+              <a:cs typeface="Times New Roman" panose="02020603050405020304" pitchFamily="18" charset="0"/>
+            </a:endParaRPr>
+          </a:p>
+        </p:txBody>
+      </p:sp>
+      <p:sp>
+        <p:nvSpPr>
+          <p:cNvPr id="3" name="Oval 2">
+            <a:extLst>
+              <a:ext uri="{FF2B5EF4-FFF2-40B4-BE49-F238E27FC236}">
+                <a16:creationId xmlns:a16="http://schemas.microsoft.com/office/drawing/2014/main" id="{6AAA2623-BF5F-0BD9-12C3-19265A6F7ED3}"/>
+              </a:ext>
+            </a:extLst>
+          </p:cNvPr>
+          <p:cNvSpPr/>
+          <p:nvPr/>
+        </p:nvSpPr>
+        <p:spPr>
+          <a:xfrm>
+            <a:off x="5521175" y="4069216"/>
+            <a:ext cx="1149650" cy="1149650"/>
+          </a:xfrm>
+          <a:prstGeom prst="ellipse">
+            <a:avLst/>
+          </a:prstGeom>
+          <a:noFill/>
+          <a:ln>
+            <a:solidFill>
+              <a:schemeClr val="tx1"/>
+            </a:solidFill>
+          </a:ln>
+        </p:spPr>
+        <p:style>
+          <a:lnRef idx="2">
+            <a:schemeClr val="accent1">
+              <a:shade val="15000"/>
+            </a:schemeClr>
+          </a:lnRef>
+          <a:fillRef idx="1">
+            <a:schemeClr val="accent1"/>
+          </a:fillRef>
+          <a:effectRef idx="0">
+            <a:schemeClr val="accent1"/>
+          </a:effectRef>
+          <a:fontRef idx="minor">
+            <a:schemeClr val="lt1"/>
+          </a:fontRef>
+        </p:style>
+        <p:txBody>
+          <a:bodyPr rtlCol="0" anchor="ctr"/>
+          <a:lstStyle/>
+          <a:p>
+            <a:pPr algn="ctr"/>
+            <a:r>
               <a:rPr lang="en-US" altLang="zh-CN" sz="1600" dirty="0" err="1">
                 <a:solidFill>
                   <a:schemeClr val="tx1"/>
@@ -6939,7 +7610,7 @@
                 <a:latin typeface="Times New Roman" panose="02020603050405020304" pitchFamily="18" charset="0"/>
                 <a:cs typeface="Times New Roman" panose="02020603050405020304" pitchFamily="18" charset="0"/>
               </a:rPr>
-              <a:t>rtc</a:t>
+              <a:t>spi</a:t>
             </a:r>
             <a:endParaRPr lang="en-US" sz="1600" dirty="0">
               <a:solidFill>
@@ -6951,12 +7622,257 @@
           </a:p>
         </p:txBody>
       </p:sp>
-      <p:sp>
-        <p:nvSpPr>
-          <p:cNvPr id="3" name="Oval 2">
-            <a:extLst>
-              <a:ext uri="{FF2B5EF4-FFF2-40B4-BE49-F238E27FC236}">
-                <a16:creationId xmlns:a16="http://schemas.microsoft.com/office/drawing/2014/main" id="{376CDD34-9335-4768-373A-25AEE1607624}"/>
+      <p:grpSp>
+        <p:nvGrpSpPr>
+          <p:cNvPr id="5" name="Group 4">
+            <a:extLst>
+              <a:ext uri="{FF2B5EF4-FFF2-40B4-BE49-F238E27FC236}">
+                <a16:creationId xmlns:a16="http://schemas.microsoft.com/office/drawing/2014/main" id="{853027C5-A67A-57E0-78AB-DA245BDC39E9}"/>
+              </a:ext>
+            </a:extLst>
+          </p:cNvPr>
+          <p:cNvGrpSpPr/>
+          <p:nvPr/>
+        </p:nvGrpSpPr>
+        <p:grpSpPr>
+          <a:xfrm>
+            <a:off x="6690256" y="5379515"/>
+            <a:ext cx="2203152" cy="1164988"/>
+            <a:chOff x="6050996" y="4366924"/>
+            <a:chExt cx="2878212" cy="1521948"/>
+          </a:xfrm>
+        </p:grpSpPr>
+        <p:sp>
+          <p:nvSpPr>
+            <p:cNvPr id="6" name="Oval 5">
+              <a:extLst>
+                <a:ext uri="{FF2B5EF4-FFF2-40B4-BE49-F238E27FC236}">
+                  <a16:creationId xmlns:a16="http://schemas.microsoft.com/office/drawing/2014/main" id="{B4C22212-D0B7-0D0C-2974-F59E639FD095}"/>
+                </a:ext>
+              </a:extLst>
+            </p:cNvPr>
+            <p:cNvSpPr/>
+            <p:nvPr/>
+          </p:nvSpPr>
+          <p:spPr>
+            <a:xfrm>
+              <a:off x="6251467" y="4597569"/>
+              <a:ext cx="1088281" cy="1088281"/>
+            </a:xfrm>
+            <a:prstGeom prst="ellipse">
+              <a:avLst/>
+            </a:prstGeom>
+            <a:noFill/>
+            <a:ln>
+              <a:solidFill>
+                <a:schemeClr val="tx1"/>
+              </a:solidFill>
+            </a:ln>
+          </p:spPr>
+          <p:style>
+            <a:lnRef idx="2">
+              <a:schemeClr val="accent1">
+                <a:shade val="15000"/>
+              </a:schemeClr>
+            </a:lnRef>
+            <a:fillRef idx="1">
+              <a:schemeClr val="accent1"/>
+            </a:fillRef>
+            <a:effectRef idx="0">
+              <a:schemeClr val="accent1"/>
+            </a:effectRef>
+            <a:fontRef idx="minor">
+              <a:schemeClr val="lt1"/>
+            </a:fontRef>
+          </p:style>
+          <p:txBody>
+            <a:bodyPr rtlCol="0" anchor="ctr"/>
+            <a:lstStyle/>
+            <a:p>
+              <a:pPr algn="ctr"/>
+              <a:r>
+                <a:rPr lang="en-US" sz="1400" dirty="0">
+                  <a:solidFill>
+                    <a:schemeClr val="tx1"/>
+                  </a:solidFill>
+                  <a:latin typeface="Times New Roman" panose="02020603050405020304" pitchFamily="18" charset="0"/>
+                  <a:cs typeface="Times New Roman" panose="02020603050405020304" pitchFamily="18" charset="0"/>
+                </a:rPr>
+                <a:t>from user</a:t>
+              </a:r>
+            </a:p>
+          </p:txBody>
+        </p:sp>
+        <p:sp>
+          <p:nvSpPr>
+            <p:cNvPr id="7" name="Oval 6">
+              <a:extLst>
+                <a:ext uri="{FF2B5EF4-FFF2-40B4-BE49-F238E27FC236}">
+                  <a16:creationId xmlns:a16="http://schemas.microsoft.com/office/drawing/2014/main" id="{AAE56B64-B4F3-FE15-D0ED-16A47C27FBA4}"/>
+                </a:ext>
+              </a:extLst>
+            </p:cNvPr>
+            <p:cNvSpPr/>
+            <p:nvPr/>
+          </p:nvSpPr>
+          <p:spPr>
+            <a:xfrm>
+              <a:off x="7631249" y="4536200"/>
+              <a:ext cx="1149650" cy="1149650"/>
+            </a:xfrm>
+            <a:prstGeom prst="ellipse">
+              <a:avLst/>
+            </a:prstGeom>
+            <a:solidFill>
+              <a:schemeClr val="accent1">
+                <a:lumMod val="20000"/>
+                <a:lumOff val="80000"/>
+              </a:schemeClr>
+            </a:solidFill>
+            <a:ln>
+              <a:solidFill>
+                <a:schemeClr val="tx1"/>
+              </a:solidFill>
+            </a:ln>
+          </p:spPr>
+          <p:style>
+            <a:lnRef idx="2">
+              <a:schemeClr val="accent1">
+                <a:shade val="15000"/>
+              </a:schemeClr>
+            </a:lnRef>
+            <a:fillRef idx="1">
+              <a:schemeClr val="accent1"/>
+            </a:fillRef>
+            <a:effectRef idx="0">
+              <a:schemeClr val="accent1"/>
+            </a:effectRef>
+            <a:fontRef idx="minor">
+              <a:schemeClr val="lt1"/>
+            </a:fontRef>
+          </p:style>
+          <p:txBody>
+            <a:bodyPr rtlCol="0" anchor="ctr"/>
+            <a:lstStyle/>
+            <a:p>
+              <a:pPr algn="ctr"/>
+              <a:r>
+                <a:rPr lang="en-US" altLang="zh-CN" sz="1400" dirty="0">
+                  <a:solidFill>
+                    <a:schemeClr val="tx1"/>
+                  </a:solidFill>
+                  <a:latin typeface="Times New Roman" panose="02020603050405020304" pitchFamily="18" charset="0"/>
+                  <a:cs typeface="Times New Roman" panose="02020603050405020304" pitchFamily="18" charset="0"/>
+                </a:rPr>
+                <a:t>from ESP</a:t>
+              </a:r>
+              <a:endParaRPr lang="en-US" sz="1400" dirty="0">
+                <a:solidFill>
+                  <a:schemeClr val="tx1"/>
+                </a:solidFill>
+                <a:latin typeface="Times New Roman" panose="02020603050405020304" pitchFamily="18" charset="0"/>
+                <a:cs typeface="Times New Roman" panose="02020603050405020304" pitchFamily="18" charset="0"/>
+              </a:endParaRPr>
+            </a:p>
+          </p:txBody>
+        </p:sp>
+        <p:sp>
+          <p:nvSpPr>
+            <p:cNvPr id="8" name="Rectangle 7">
+              <a:extLst>
+                <a:ext uri="{FF2B5EF4-FFF2-40B4-BE49-F238E27FC236}">
+                  <a16:creationId xmlns:a16="http://schemas.microsoft.com/office/drawing/2014/main" id="{BF342873-0F41-8247-7774-BEA16564B0EC}"/>
+                </a:ext>
+              </a:extLst>
+            </p:cNvPr>
+            <p:cNvSpPr/>
+            <p:nvPr/>
+          </p:nvSpPr>
+          <p:spPr>
+            <a:xfrm>
+              <a:off x="6050996" y="4366924"/>
+              <a:ext cx="2878212" cy="1521948"/>
+            </a:xfrm>
+            <a:prstGeom prst="rect">
+              <a:avLst/>
+            </a:prstGeom>
+            <a:noFill/>
+          </p:spPr>
+          <p:style>
+            <a:lnRef idx="2">
+              <a:schemeClr val="accent1">
+                <a:shade val="15000"/>
+              </a:schemeClr>
+            </a:lnRef>
+            <a:fillRef idx="1">
+              <a:schemeClr val="accent1"/>
+            </a:fillRef>
+            <a:effectRef idx="0">
+              <a:schemeClr val="accent1"/>
+            </a:effectRef>
+            <a:fontRef idx="minor">
+              <a:schemeClr val="lt1"/>
+            </a:fontRef>
+          </p:style>
+          <p:txBody>
+            <a:bodyPr rtlCol="0" anchor="ctr"/>
+            <a:lstStyle/>
+            <a:p>
+              <a:pPr algn="ctr"/>
+              <a:endParaRPr lang="en-US" sz="1400"/>
+            </a:p>
+          </p:txBody>
+        </p:sp>
+      </p:grpSp>
+      <p:cxnSp>
+        <p:nvCxnSpPr>
+          <p:cNvPr id="15" name="Straight Arrow Connector 14">
+            <a:extLst>
+              <a:ext uri="{FF2B5EF4-FFF2-40B4-BE49-F238E27FC236}">
+                <a16:creationId xmlns:a16="http://schemas.microsoft.com/office/drawing/2014/main" id="{22172D31-ACE9-492F-6EF3-A7223BF1802A}"/>
+              </a:ext>
+            </a:extLst>
+          </p:cNvPr>
+          <p:cNvCxnSpPr>
+            <a:cxnSpLocks/>
+            <a:stCxn id="3" idx="2"/>
+            <a:endCxn id="2" idx="6"/>
+          </p:cNvCxnSpPr>
+          <p:nvPr/>
+        </p:nvCxnSpPr>
+        <p:spPr>
+          <a:xfrm flipH="1">
+            <a:off x="3315980" y="4644041"/>
+            <a:ext cx="2205195" cy="1"/>
+          </a:xfrm>
+          <a:prstGeom prst="straightConnector1">
+            <a:avLst/>
+          </a:prstGeom>
+          <a:ln>
+            <a:tailEnd type="triangle"/>
+          </a:ln>
+        </p:spPr>
+        <p:style>
+          <a:lnRef idx="2">
+            <a:schemeClr val="dk1"/>
+          </a:lnRef>
+          <a:fillRef idx="0">
+            <a:schemeClr val="dk1"/>
+          </a:fillRef>
+          <a:effectRef idx="1">
+            <a:schemeClr val="dk1"/>
+          </a:effectRef>
+          <a:fontRef idx="minor">
+            <a:schemeClr val="tx1"/>
+          </a:fontRef>
+        </p:style>
+      </p:cxnSp>
+      <p:sp>
+        <p:nvSpPr>
+          <p:cNvPr id="20" name="Oval 19">
+            <a:extLst>
+              <a:ext uri="{FF2B5EF4-FFF2-40B4-BE49-F238E27FC236}">
+                <a16:creationId xmlns:a16="http://schemas.microsoft.com/office/drawing/2014/main" id="{DED4D133-DA60-588C-74BE-CD3BF387D223}"/>
               </a:ext>
             </a:extLst>
           </p:cNvPr>
@@ -6965,7 +7881,161 @@
         </p:nvSpPr>
         <p:spPr>
           <a:xfrm>
-            <a:off x="7846042" y="3297882"/>
+            <a:off x="3825344" y="2213959"/>
+            <a:ext cx="1149650" cy="1149650"/>
+          </a:xfrm>
+          <a:prstGeom prst="ellipse">
+            <a:avLst/>
+          </a:prstGeom>
+          <a:noFill/>
+          <a:ln>
+            <a:solidFill>
+              <a:schemeClr val="tx1"/>
+            </a:solidFill>
+          </a:ln>
+        </p:spPr>
+        <p:style>
+          <a:lnRef idx="2">
+            <a:schemeClr val="accent1">
+              <a:shade val="15000"/>
+            </a:schemeClr>
+          </a:lnRef>
+          <a:fillRef idx="1">
+            <a:schemeClr val="accent1"/>
+          </a:fillRef>
+          <a:effectRef idx="0">
+            <a:schemeClr val="accent1"/>
+          </a:effectRef>
+          <a:fontRef idx="minor">
+            <a:schemeClr val="lt1"/>
+          </a:fontRef>
+        </p:style>
+        <p:txBody>
+          <a:bodyPr rtlCol="0" anchor="ctr"/>
+          <a:lstStyle/>
+          <a:p>
+            <a:pPr algn="ctr"/>
+            <a:r>
+              <a:rPr lang="en-US" sz="1600" dirty="0" err="1">
+                <a:solidFill>
+                  <a:schemeClr val="tx1"/>
+                </a:solidFill>
+                <a:latin typeface="Times New Roman" panose="02020603050405020304" pitchFamily="18" charset="0"/>
+                <a:cs typeface="Times New Roman" panose="02020603050405020304" pitchFamily="18" charset="0"/>
+              </a:rPr>
+              <a:t>spi_sdcard</a:t>
+            </a:r>
+            <a:endParaRPr lang="en-US" sz="1600" dirty="0">
+              <a:solidFill>
+                <a:schemeClr val="tx1"/>
+              </a:solidFill>
+              <a:latin typeface="Times New Roman" panose="02020603050405020304" pitchFamily="18" charset="0"/>
+              <a:cs typeface="Times New Roman" panose="02020603050405020304" pitchFamily="18" charset="0"/>
+            </a:endParaRPr>
+          </a:p>
+        </p:txBody>
+      </p:sp>
+      <p:cxnSp>
+        <p:nvCxnSpPr>
+          <p:cNvPr id="21" name="Straight Arrow Connector 20">
+            <a:extLst>
+              <a:ext uri="{FF2B5EF4-FFF2-40B4-BE49-F238E27FC236}">
+                <a16:creationId xmlns:a16="http://schemas.microsoft.com/office/drawing/2014/main" id="{02E83997-8236-5D7D-E38A-ACFE61BE4790}"/>
+              </a:ext>
+            </a:extLst>
+          </p:cNvPr>
+          <p:cNvCxnSpPr>
+            <a:cxnSpLocks/>
+            <a:stCxn id="3" idx="1"/>
+            <a:endCxn id="20" idx="5"/>
+          </p:cNvCxnSpPr>
+          <p:nvPr/>
+        </p:nvCxnSpPr>
+        <p:spPr>
+          <a:xfrm flipH="1" flipV="1">
+            <a:off x="4806632" y="3195247"/>
+            <a:ext cx="882905" cy="1042331"/>
+          </a:xfrm>
+          <a:prstGeom prst="straightConnector1">
+            <a:avLst/>
+          </a:prstGeom>
+          <a:ln>
+            <a:tailEnd type="triangle"/>
+          </a:ln>
+        </p:spPr>
+        <p:style>
+          <a:lnRef idx="2">
+            <a:schemeClr val="dk1"/>
+          </a:lnRef>
+          <a:fillRef idx="0">
+            <a:schemeClr val="dk1"/>
+          </a:fillRef>
+          <a:effectRef idx="1">
+            <a:schemeClr val="dk1"/>
+          </a:effectRef>
+          <a:fontRef idx="minor">
+            <a:schemeClr val="tx1"/>
+          </a:fontRef>
+        </p:style>
+      </p:cxnSp>
+      <p:cxnSp>
+        <p:nvCxnSpPr>
+          <p:cNvPr id="27" name="Straight Arrow Connector 26">
+            <a:extLst>
+              <a:ext uri="{FF2B5EF4-FFF2-40B4-BE49-F238E27FC236}">
+                <a16:creationId xmlns:a16="http://schemas.microsoft.com/office/drawing/2014/main" id="{C6CC7E60-C945-A903-F542-28E90CE4D13E}"/>
+              </a:ext>
+            </a:extLst>
+          </p:cNvPr>
+          <p:cNvCxnSpPr>
+            <a:cxnSpLocks/>
+            <a:stCxn id="20" idx="3"/>
+            <a:endCxn id="2" idx="7"/>
+          </p:cNvCxnSpPr>
+          <p:nvPr/>
+        </p:nvCxnSpPr>
+        <p:spPr>
+          <a:xfrm flipH="1">
+            <a:off x="3147618" y="3195247"/>
+            <a:ext cx="846088" cy="1042332"/>
+          </a:xfrm>
+          <a:prstGeom prst="straightConnector1">
+            <a:avLst/>
+          </a:prstGeom>
+          <a:ln>
+            <a:tailEnd type="triangle"/>
+          </a:ln>
+        </p:spPr>
+        <p:style>
+          <a:lnRef idx="2">
+            <a:schemeClr val="dk1"/>
+          </a:lnRef>
+          <a:fillRef idx="0">
+            <a:schemeClr val="dk1"/>
+          </a:fillRef>
+          <a:effectRef idx="1">
+            <a:schemeClr val="dk1"/>
+          </a:effectRef>
+          <a:fontRef idx="minor">
+            <a:schemeClr val="tx1"/>
+          </a:fontRef>
+        </p:style>
+      </p:cxnSp>
+      <p:sp>
+        <p:nvSpPr>
+          <p:cNvPr id="34" name="Oval 33">
+            <a:extLst>
+              <a:ext uri="{FF2B5EF4-FFF2-40B4-BE49-F238E27FC236}">
+                <a16:creationId xmlns:a16="http://schemas.microsoft.com/office/drawing/2014/main" id="{741FAA16-25D8-367B-B3C1-4B99C117C618}"/>
+              </a:ext>
+            </a:extLst>
+          </p:cNvPr>
+          <p:cNvSpPr/>
+          <p:nvPr/>
+        </p:nvSpPr>
+        <p:spPr>
+          <a:xfrm>
+            <a:off x="7791832" y="4069216"/>
             <a:ext cx="1149650" cy="1149650"/>
           </a:xfrm>
           <a:prstGeom prst="ellipse">
@@ -7005,6 +8075,122 @@
           <a:p>
             <a:pPr algn="ctr"/>
             <a:r>
+              <a:rPr lang="en-US" altLang="zh-CN" sz="1600" dirty="0">
+                <a:solidFill>
+                  <a:schemeClr val="tx1"/>
+                </a:solidFill>
+                <a:latin typeface="Times New Roman" panose="02020603050405020304" pitchFamily="18" charset="0"/>
+                <a:cs typeface="Times New Roman" panose="02020603050405020304" pitchFamily="18" charset="0"/>
+              </a:rPr>
+              <a:t>driver</a:t>
+            </a:r>
+            <a:endParaRPr lang="en-US" sz="1600" dirty="0">
+              <a:solidFill>
+                <a:schemeClr val="tx1"/>
+              </a:solidFill>
+              <a:latin typeface="Times New Roman" panose="02020603050405020304" pitchFamily="18" charset="0"/>
+              <a:cs typeface="Times New Roman" panose="02020603050405020304" pitchFamily="18" charset="0"/>
+            </a:endParaRPr>
+          </a:p>
+        </p:txBody>
+      </p:sp>
+      <p:cxnSp>
+        <p:nvCxnSpPr>
+          <p:cNvPr id="35" name="Straight Arrow Connector 34">
+            <a:extLst>
+              <a:ext uri="{FF2B5EF4-FFF2-40B4-BE49-F238E27FC236}">
+                <a16:creationId xmlns:a16="http://schemas.microsoft.com/office/drawing/2014/main" id="{768AA45F-EFB8-705F-5AD6-3589C561FCC9}"/>
+              </a:ext>
+            </a:extLst>
+          </p:cNvPr>
+          <p:cNvCxnSpPr>
+            <a:cxnSpLocks/>
+            <a:stCxn id="34" idx="2"/>
+            <a:endCxn id="3" idx="6"/>
+          </p:cNvCxnSpPr>
+          <p:nvPr/>
+        </p:nvCxnSpPr>
+        <p:spPr>
+          <a:xfrm flipH="1">
+            <a:off x="6670825" y="4644041"/>
+            <a:ext cx="1121007" cy="0"/>
+          </a:xfrm>
+          <a:prstGeom prst="straightConnector1">
+            <a:avLst/>
+          </a:prstGeom>
+          <a:ln>
+            <a:tailEnd type="triangle"/>
+          </a:ln>
+        </p:spPr>
+        <p:style>
+          <a:lnRef idx="2">
+            <a:schemeClr val="dk1"/>
+          </a:lnRef>
+          <a:fillRef idx="0">
+            <a:schemeClr val="dk1"/>
+          </a:fillRef>
+          <a:effectRef idx="1">
+            <a:schemeClr val="dk1"/>
+          </a:effectRef>
+          <a:fontRef idx="minor">
+            <a:schemeClr val="tx1"/>
+          </a:fontRef>
+        </p:style>
+      </p:cxnSp>
+      <p:sp>
+        <p:nvSpPr>
+          <p:cNvPr id="17" name="Oval 16">
+            <a:extLst>
+              <a:ext uri="{FF2B5EF4-FFF2-40B4-BE49-F238E27FC236}">
+                <a16:creationId xmlns:a16="http://schemas.microsoft.com/office/drawing/2014/main" id="{B85A362E-41D6-54ED-9772-904356520687}"/>
+              </a:ext>
+            </a:extLst>
+          </p:cNvPr>
+          <p:cNvSpPr/>
+          <p:nvPr/>
+        </p:nvSpPr>
+        <p:spPr>
+          <a:xfrm>
+            <a:off x="7791832" y="2788784"/>
+            <a:ext cx="1149650" cy="1149650"/>
+          </a:xfrm>
+          <a:prstGeom prst="ellipse">
+            <a:avLst/>
+          </a:prstGeom>
+          <a:solidFill>
+            <a:schemeClr val="accent1">
+              <a:lumMod val="20000"/>
+              <a:lumOff val="80000"/>
+            </a:schemeClr>
+          </a:solidFill>
+          <a:ln>
+            <a:solidFill>
+              <a:schemeClr val="tx1"/>
+            </a:solidFill>
+          </a:ln>
+        </p:spPr>
+        <p:style>
+          <a:lnRef idx="2">
+            <a:schemeClr val="accent1">
+              <a:shade val="15000"/>
+            </a:schemeClr>
+          </a:lnRef>
+          <a:fillRef idx="1">
+            <a:schemeClr val="accent1"/>
+          </a:fillRef>
+          <a:effectRef idx="0">
+            <a:schemeClr val="accent1"/>
+          </a:effectRef>
+          <a:fontRef idx="minor">
+            <a:schemeClr val="lt1"/>
+          </a:fontRef>
+        </p:style>
+        <p:txBody>
+          <a:bodyPr rtlCol="0" anchor="ctr"/>
+          <a:lstStyle/>
+          <a:p>
+            <a:pPr algn="ctr"/>
+            <a:r>
               <a:rPr lang="en-US" altLang="zh-CN" sz="1600" dirty="0" err="1">
                 <a:solidFill>
                   <a:schemeClr val="tx1"/>
@@ -7012,7 +8198,7 @@
                 <a:latin typeface="Times New Roman" panose="02020603050405020304" pitchFamily="18" charset="0"/>
                 <a:cs typeface="Times New Roman" panose="02020603050405020304" pitchFamily="18" charset="0"/>
               </a:rPr>
-              <a:t>newlib</a:t>
+              <a:t>fatfs</a:t>
             </a:r>
             <a:endParaRPr lang="en-US" sz="1600" dirty="0">
               <a:solidFill>
@@ -7024,26 +8210,258 @@
           </a:p>
         </p:txBody>
       </p:sp>
+      <p:sp>
+        <p:nvSpPr>
+          <p:cNvPr id="18" name="Oval 17">
+            <a:extLst>
+              <a:ext uri="{FF2B5EF4-FFF2-40B4-BE49-F238E27FC236}">
+                <a16:creationId xmlns:a16="http://schemas.microsoft.com/office/drawing/2014/main" id="{506AC1AE-05E8-C485-A000-3E5F1C16F7AA}"/>
+              </a:ext>
+            </a:extLst>
+          </p:cNvPr>
+          <p:cNvSpPr/>
+          <p:nvPr/>
+        </p:nvSpPr>
+        <p:spPr>
+          <a:xfrm>
+            <a:off x="7791832" y="1478485"/>
+            <a:ext cx="1149650" cy="1149650"/>
+          </a:xfrm>
+          <a:prstGeom prst="ellipse">
+            <a:avLst/>
+          </a:prstGeom>
+          <a:solidFill>
+            <a:schemeClr val="accent1">
+              <a:lumMod val="20000"/>
+              <a:lumOff val="80000"/>
+            </a:schemeClr>
+          </a:solidFill>
+          <a:ln>
+            <a:solidFill>
+              <a:schemeClr val="tx1"/>
+            </a:solidFill>
+          </a:ln>
+        </p:spPr>
+        <p:style>
+          <a:lnRef idx="2">
+            <a:schemeClr val="accent1">
+              <a:shade val="15000"/>
+            </a:schemeClr>
+          </a:lnRef>
+          <a:fillRef idx="1">
+            <a:schemeClr val="accent1"/>
+          </a:fillRef>
+          <a:effectRef idx="0">
+            <a:schemeClr val="accent1"/>
+          </a:effectRef>
+          <a:fontRef idx="minor">
+            <a:schemeClr val="lt1"/>
+          </a:fontRef>
+        </p:style>
+        <p:txBody>
+          <a:bodyPr rtlCol="0" anchor="ctr"/>
+          <a:lstStyle/>
+          <a:p>
+            <a:pPr algn="ctr"/>
+            <a:r>
+              <a:rPr lang="en-US" altLang="zh-CN" sz="1600" dirty="0" err="1">
+                <a:solidFill>
+                  <a:schemeClr val="tx1"/>
+                </a:solidFill>
+                <a:latin typeface="Times New Roman" panose="02020603050405020304" pitchFamily="18" charset="0"/>
+                <a:cs typeface="Times New Roman" panose="02020603050405020304" pitchFamily="18" charset="0"/>
+              </a:rPr>
+              <a:t>vfs</a:t>
+            </a:r>
+            <a:endParaRPr lang="en-US" sz="1600" dirty="0">
+              <a:solidFill>
+                <a:schemeClr val="tx1"/>
+              </a:solidFill>
+              <a:latin typeface="Times New Roman" panose="02020603050405020304" pitchFamily="18" charset="0"/>
+              <a:cs typeface="Times New Roman" panose="02020603050405020304" pitchFamily="18" charset="0"/>
+            </a:endParaRPr>
+          </a:p>
+        </p:txBody>
+      </p:sp>
       <p:cxnSp>
         <p:nvCxnSpPr>
-          <p:cNvPr id="4" name="Straight Arrow Connector 3">
-            <a:extLst>
-              <a:ext uri="{FF2B5EF4-FFF2-40B4-BE49-F238E27FC236}">
-                <a16:creationId xmlns:a16="http://schemas.microsoft.com/office/drawing/2014/main" id="{F217C647-5BD8-1E74-B9F2-9F56E9517233}"/>
+          <p:cNvPr id="23" name="Straight Arrow Connector 22">
+            <a:extLst>
+              <a:ext uri="{FF2B5EF4-FFF2-40B4-BE49-F238E27FC236}">
+                <a16:creationId xmlns:a16="http://schemas.microsoft.com/office/drawing/2014/main" id="{D8B334FF-B403-1A6F-684C-FF9BC864C58E}"/>
               </a:ext>
             </a:extLst>
           </p:cNvPr>
           <p:cNvCxnSpPr>
             <a:cxnSpLocks/>
-            <a:stCxn id="3" idx="2"/>
-            <a:endCxn id="2" idx="6"/>
+            <a:stCxn id="17" idx="2"/>
+            <a:endCxn id="20" idx="6"/>
+          </p:cNvCxnSpPr>
+          <p:nvPr/>
+        </p:nvCxnSpPr>
+        <p:spPr>
+          <a:xfrm flipH="1" flipV="1">
+            <a:off x="4974994" y="2788784"/>
+            <a:ext cx="2816838" cy="574825"/>
+          </a:xfrm>
+          <a:prstGeom prst="straightConnector1">
+            <a:avLst/>
+          </a:prstGeom>
+          <a:ln>
+            <a:tailEnd type="triangle"/>
+          </a:ln>
+        </p:spPr>
+        <p:style>
+          <a:lnRef idx="2">
+            <a:schemeClr val="dk1"/>
+          </a:lnRef>
+          <a:fillRef idx="0">
+            <a:schemeClr val="dk1"/>
+          </a:fillRef>
+          <a:effectRef idx="1">
+            <a:schemeClr val="dk1"/>
+          </a:effectRef>
+          <a:fontRef idx="minor">
+            <a:schemeClr val="tx1"/>
+          </a:fontRef>
+        </p:style>
+      </p:cxnSp>
+      <p:cxnSp>
+        <p:nvCxnSpPr>
+          <p:cNvPr id="26" name="Straight Arrow Connector 25">
+            <a:extLst>
+              <a:ext uri="{FF2B5EF4-FFF2-40B4-BE49-F238E27FC236}">
+                <a16:creationId xmlns:a16="http://schemas.microsoft.com/office/drawing/2014/main" id="{BA3CCA7A-9B51-D863-1712-13CC7758C50C}"/>
+              </a:ext>
+            </a:extLst>
+          </p:cNvPr>
+          <p:cNvCxnSpPr>
+            <a:cxnSpLocks/>
+            <a:stCxn id="18" idx="2"/>
+            <a:endCxn id="20" idx="7"/>
           </p:cNvCxnSpPr>
           <p:nvPr/>
         </p:nvCxnSpPr>
         <p:spPr>
           <a:xfrm flipH="1">
-            <a:off x="4724399" y="3872707"/>
-            <a:ext cx="3121643" cy="0"/>
+            <a:off x="4806632" y="2053310"/>
+            <a:ext cx="2985200" cy="329011"/>
+          </a:xfrm>
+          <a:prstGeom prst="straightConnector1">
+            <a:avLst/>
+          </a:prstGeom>
+          <a:ln>
+            <a:tailEnd type="triangle"/>
+          </a:ln>
+        </p:spPr>
+        <p:style>
+          <a:lnRef idx="2">
+            <a:schemeClr val="dk1"/>
+          </a:lnRef>
+          <a:fillRef idx="0">
+            <a:schemeClr val="dk1"/>
+          </a:fillRef>
+          <a:effectRef idx="1">
+            <a:schemeClr val="dk1"/>
+          </a:effectRef>
+          <a:fontRef idx="minor">
+            <a:schemeClr val="tx1"/>
+          </a:fontRef>
+        </p:style>
+      </p:cxnSp>
+      <p:sp>
+        <p:nvSpPr>
+          <p:cNvPr id="24" name="Oval 23">
+            <a:extLst>
+              <a:ext uri="{FF2B5EF4-FFF2-40B4-BE49-F238E27FC236}">
+                <a16:creationId xmlns:a16="http://schemas.microsoft.com/office/drawing/2014/main" id="{1FC1B5C2-6F13-D2D2-0C8F-8B69ECD5C759}"/>
+              </a:ext>
+            </a:extLst>
+          </p:cNvPr>
+          <p:cNvSpPr/>
+          <p:nvPr/>
+        </p:nvSpPr>
+        <p:spPr>
+          <a:xfrm>
+            <a:off x="7791832" y="163962"/>
+            <a:ext cx="1149650" cy="1149650"/>
+          </a:xfrm>
+          <a:prstGeom prst="ellipse">
+            <a:avLst/>
+          </a:prstGeom>
+          <a:solidFill>
+            <a:schemeClr val="accent1">
+              <a:lumMod val="20000"/>
+              <a:lumOff val="80000"/>
+            </a:schemeClr>
+          </a:solidFill>
+          <a:ln>
+            <a:solidFill>
+              <a:schemeClr val="tx1"/>
+            </a:solidFill>
+          </a:ln>
+        </p:spPr>
+        <p:style>
+          <a:lnRef idx="2">
+            <a:schemeClr val="accent1">
+              <a:shade val="15000"/>
+            </a:schemeClr>
+          </a:lnRef>
+          <a:fillRef idx="1">
+            <a:schemeClr val="accent1"/>
+          </a:fillRef>
+          <a:effectRef idx="0">
+            <a:schemeClr val="accent1"/>
+          </a:effectRef>
+          <a:fontRef idx="minor">
+            <a:schemeClr val="lt1"/>
+          </a:fontRef>
+        </p:style>
+        <p:txBody>
+          <a:bodyPr rtlCol="0" anchor="ctr"/>
+          <a:lstStyle/>
+          <a:p>
+            <a:pPr algn="ctr"/>
+            <a:r>
+              <a:rPr lang="en-US" altLang="zh-CN" sz="1600" dirty="0" err="1">
+                <a:solidFill>
+                  <a:schemeClr val="tx1"/>
+                </a:solidFill>
+                <a:latin typeface="Times New Roman" panose="02020603050405020304" pitchFamily="18" charset="0"/>
+                <a:cs typeface="Times New Roman" panose="02020603050405020304" pitchFamily="18" charset="0"/>
+              </a:rPr>
+              <a:t>sdmmc</a:t>
+            </a:r>
+            <a:endParaRPr lang="en-US" sz="1600" dirty="0">
+              <a:solidFill>
+                <a:schemeClr val="tx1"/>
+              </a:solidFill>
+              <a:latin typeface="Times New Roman" panose="02020603050405020304" pitchFamily="18" charset="0"/>
+              <a:cs typeface="Times New Roman" panose="02020603050405020304" pitchFamily="18" charset="0"/>
+            </a:endParaRPr>
+          </a:p>
+        </p:txBody>
+      </p:sp>
+      <p:cxnSp>
+        <p:nvCxnSpPr>
+          <p:cNvPr id="25" name="Straight Arrow Connector 24">
+            <a:extLst>
+              <a:ext uri="{FF2B5EF4-FFF2-40B4-BE49-F238E27FC236}">
+                <a16:creationId xmlns:a16="http://schemas.microsoft.com/office/drawing/2014/main" id="{3E1F12C8-0B5F-8F81-3CE8-7C82C8FC3942}"/>
+              </a:ext>
+            </a:extLst>
+          </p:cNvPr>
+          <p:cNvCxnSpPr>
+            <a:cxnSpLocks/>
+            <a:stCxn id="24" idx="2"/>
+            <a:endCxn id="20" idx="0"/>
+          </p:cNvCxnSpPr>
+          <p:nvPr/>
+        </p:nvCxnSpPr>
+        <p:spPr>
+          <a:xfrm flipH="1">
+            <a:off x="4400169" y="738787"/>
+            <a:ext cx="3391663" cy="1475172"/>
           </a:xfrm>
           <a:prstGeom prst="straightConnector1">
             <a:avLst/>
@@ -7070,7 +8488,919 @@
     </p:spTree>
     <p:extLst>
       <p:ext uri="{BB962C8B-B14F-4D97-AF65-F5344CB8AC3E}">
-        <p14:creationId xmlns:p14="http://schemas.microsoft.com/office/powerpoint/2010/main" val="212955899"/>
+        <p14:creationId xmlns:p14="http://schemas.microsoft.com/office/powerpoint/2010/main" val="4227821344"/>
+      </p:ext>
+    </p:extLst>
+  </p:cSld>
+  <p:clrMapOvr>
+    <a:masterClrMapping/>
+  </p:clrMapOvr>
+</p:sld>
+</file>
+
+<file path=ppt/slides/slide8.xml><?xml version="1.0" encoding="utf-8"?>
+<p:sld xmlns:a="http://schemas.openxmlformats.org/drawingml/2006/main" xmlns:r="http://schemas.openxmlformats.org/officeDocument/2006/relationships" xmlns:p="http://schemas.openxmlformats.org/presentationml/2006/main">
+  <p:cSld>
+    <p:spTree>
+      <p:nvGrpSpPr>
+        <p:cNvPr id="1" name="">
+          <a:extLst>
+            <a:ext uri="{FF2B5EF4-FFF2-40B4-BE49-F238E27FC236}">
+              <a16:creationId xmlns:a16="http://schemas.microsoft.com/office/drawing/2014/main" id="{A786FBF9-BBD2-A450-819B-46424359CC7D}"/>
+            </a:ext>
+          </a:extLst>
+        </p:cNvPr>
+        <p:cNvGrpSpPr/>
+        <p:nvPr/>
+      </p:nvGrpSpPr>
+      <p:grpSpPr>
+        <a:xfrm>
+          <a:off x="0" y="0"/>
+          <a:ext cx="0" cy="0"/>
+          <a:chOff x="0" y="0"/>
+          <a:chExt cx="0" cy="0"/>
+        </a:xfrm>
+      </p:grpSpPr>
+      <p:sp>
+        <p:nvSpPr>
+          <p:cNvPr id="2" name="Oval 1">
+            <a:extLst>
+              <a:ext uri="{FF2B5EF4-FFF2-40B4-BE49-F238E27FC236}">
+                <a16:creationId xmlns:a16="http://schemas.microsoft.com/office/drawing/2014/main" id="{4BA483FF-E42D-770E-93EB-FC686271C28D}"/>
+              </a:ext>
+            </a:extLst>
+          </p:cNvPr>
+          <p:cNvSpPr/>
+          <p:nvPr/>
+        </p:nvSpPr>
+        <p:spPr>
+          <a:xfrm>
+            <a:off x="2166330" y="4069217"/>
+            <a:ext cx="1149650" cy="1149650"/>
+          </a:xfrm>
+          <a:prstGeom prst="ellipse">
+            <a:avLst/>
+          </a:prstGeom>
+          <a:noFill/>
+          <a:ln>
+            <a:solidFill>
+              <a:schemeClr val="tx1"/>
+            </a:solidFill>
+          </a:ln>
+        </p:spPr>
+        <p:style>
+          <a:lnRef idx="2">
+            <a:schemeClr val="accent1">
+              <a:shade val="15000"/>
+            </a:schemeClr>
+          </a:lnRef>
+          <a:fillRef idx="1">
+            <a:schemeClr val="accent1"/>
+          </a:fillRef>
+          <a:effectRef idx="0">
+            <a:schemeClr val="accent1"/>
+          </a:effectRef>
+          <a:fontRef idx="minor">
+            <a:schemeClr val="lt1"/>
+          </a:fontRef>
+        </p:style>
+        <p:txBody>
+          <a:bodyPr rtlCol="0" anchor="ctr"/>
+          <a:lstStyle/>
+          <a:p>
+            <a:pPr algn="ctr"/>
+            <a:r>
+              <a:rPr lang="en-US" altLang="zh-CN" sz="1600" dirty="0">
+                <a:solidFill>
+                  <a:schemeClr val="tx1"/>
+                </a:solidFill>
+                <a:latin typeface="Times New Roman" panose="02020603050405020304" pitchFamily="18" charset="0"/>
+                <a:cs typeface="Times New Roman" panose="02020603050405020304" pitchFamily="18" charset="0"/>
+              </a:rPr>
+              <a:t>main</a:t>
+            </a:r>
+            <a:endParaRPr lang="en-US" sz="1600" dirty="0">
+              <a:solidFill>
+                <a:schemeClr val="tx1"/>
+              </a:solidFill>
+              <a:latin typeface="Times New Roman" panose="02020603050405020304" pitchFamily="18" charset="0"/>
+              <a:cs typeface="Times New Roman" panose="02020603050405020304" pitchFamily="18" charset="0"/>
+            </a:endParaRPr>
+          </a:p>
+        </p:txBody>
+      </p:sp>
+      <p:sp>
+        <p:nvSpPr>
+          <p:cNvPr id="3" name="Oval 2">
+            <a:extLst>
+              <a:ext uri="{FF2B5EF4-FFF2-40B4-BE49-F238E27FC236}">
+                <a16:creationId xmlns:a16="http://schemas.microsoft.com/office/drawing/2014/main" id="{5D41644D-A51F-7247-219F-9CE05249AFD6}"/>
+              </a:ext>
+            </a:extLst>
+          </p:cNvPr>
+          <p:cNvSpPr/>
+          <p:nvPr/>
+        </p:nvSpPr>
+        <p:spPr>
+          <a:xfrm>
+            <a:off x="5521175" y="4069216"/>
+            <a:ext cx="1149650" cy="1149650"/>
+          </a:xfrm>
+          <a:prstGeom prst="ellipse">
+            <a:avLst/>
+          </a:prstGeom>
+          <a:noFill/>
+          <a:ln>
+            <a:solidFill>
+              <a:schemeClr val="tx1"/>
+            </a:solidFill>
+          </a:ln>
+        </p:spPr>
+        <p:style>
+          <a:lnRef idx="2">
+            <a:schemeClr val="accent1">
+              <a:shade val="15000"/>
+            </a:schemeClr>
+          </a:lnRef>
+          <a:fillRef idx="1">
+            <a:schemeClr val="accent1"/>
+          </a:fillRef>
+          <a:effectRef idx="0">
+            <a:schemeClr val="accent1"/>
+          </a:effectRef>
+          <a:fontRef idx="minor">
+            <a:schemeClr val="lt1"/>
+          </a:fontRef>
+        </p:style>
+        <p:txBody>
+          <a:bodyPr rtlCol="0" anchor="ctr"/>
+          <a:lstStyle/>
+          <a:p>
+            <a:pPr algn="ctr"/>
+            <a:r>
+              <a:rPr lang="en-US" altLang="zh-CN" sz="1600" dirty="0" err="1">
+                <a:solidFill>
+                  <a:schemeClr val="tx1"/>
+                </a:solidFill>
+                <a:latin typeface="Times New Roman" panose="02020603050405020304" pitchFamily="18" charset="0"/>
+                <a:cs typeface="Times New Roman" panose="02020603050405020304" pitchFamily="18" charset="0"/>
+              </a:rPr>
+              <a:t>spi</a:t>
+            </a:r>
+            <a:endParaRPr lang="en-US" sz="1600" dirty="0">
+              <a:solidFill>
+                <a:schemeClr val="tx1"/>
+              </a:solidFill>
+              <a:latin typeface="Times New Roman" panose="02020603050405020304" pitchFamily="18" charset="0"/>
+              <a:cs typeface="Times New Roman" panose="02020603050405020304" pitchFamily="18" charset="0"/>
+            </a:endParaRPr>
+          </a:p>
+        </p:txBody>
+      </p:sp>
+      <p:grpSp>
+        <p:nvGrpSpPr>
+          <p:cNvPr id="5" name="Group 4">
+            <a:extLst>
+              <a:ext uri="{FF2B5EF4-FFF2-40B4-BE49-F238E27FC236}">
+                <a16:creationId xmlns:a16="http://schemas.microsoft.com/office/drawing/2014/main" id="{9C5CE07C-C8FE-A8AB-81BB-7E88EA00B224}"/>
+              </a:ext>
+            </a:extLst>
+          </p:cNvPr>
+          <p:cNvGrpSpPr/>
+          <p:nvPr/>
+        </p:nvGrpSpPr>
+        <p:grpSpPr>
+          <a:xfrm>
+            <a:off x="6690256" y="5379515"/>
+            <a:ext cx="2203152" cy="1164988"/>
+            <a:chOff x="6050996" y="4366924"/>
+            <a:chExt cx="2878212" cy="1521948"/>
+          </a:xfrm>
+        </p:grpSpPr>
+        <p:sp>
+          <p:nvSpPr>
+            <p:cNvPr id="6" name="Oval 5">
+              <a:extLst>
+                <a:ext uri="{FF2B5EF4-FFF2-40B4-BE49-F238E27FC236}">
+                  <a16:creationId xmlns:a16="http://schemas.microsoft.com/office/drawing/2014/main" id="{B794D19F-3C5A-C994-411B-0492A1F811DF}"/>
+                </a:ext>
+              </a:extLst>
+            </p:cNvPr>
+            <p:cNvSpPr/>
+            <p:nvPr/>
+          </p:nvSpPr>
+          <p:spPr>
+            <a:xfrm>
+              <a:off x="6251467" y="4597569"/>
+              <a:ext cx="1088281" cy="1088281"/>
+            </a:xfrm>
+            <a:prstGeom prst="ellipse">
+              <a:avLst/>
+            </a:prstGeom>
+            <a:noFill/>
+            <a:ln>
+              <a:solidFill>
+                <a:schemeClr val="tx1"/>
+              </a:solidFill>
+            </a:ln>
+          </p:spPr>
+          <p:style>
+            <a:lnRef idx="2">
+              <a:schemeClr val="accent1">
+                <a:shade val="15000"/>
+              </a:schemeClr>
+            </a:lnRef>
+            <a:fillRef idx="1">
+              <a:schemeClr val="accent1"/>
+            </a:fillRef>
+            <a:effectRef idx="0">
+              <a:schemeClr val="accent1"/>
+            </a:effectRef>
+            <a:fontRef idx="minor">
+              <a:schemeClr val="lt1"/>
+            </a:fontRef>
+          </p:style>
+          <p:txBody>
+            <a:bodyPr rtlCol="0" anchor="ctr"/>
+            <a:lstStyle/>
+            <a:p>
+              <a:pPr algn="ctr"/>
+              <a:r>
+                <a:rPr lang="en-US" sz="1400" dirty="0">
+                  <a:solidFill>
+                    <a:schemeClr val="tx1"/>
+                  </a:solidFill>
+                  <a:latin typeface="Times New Roman" panose="02020603050405020304" pitchFamily="18" charset="0"/>
+                  <a:cs typeface="Times New Roman" panose="02020603050405020304" pitchFamily="18" charset="0"/>
+                </a:rPr>
+                <a:t>from user</a:t>
+              </a:r>
+            </a:p>
+          </p:txBody>
+        </p:sp>
+        <p:sp>
+          <p:nvSpPr>
+            <p:cNvPr id="7" name="Oval 6">
+              <a:extLst>
+                <a:ext uri="{FF2B5EF4-FFF2-40B4-BE49-F238E27FC236}">
+                  <a16:creationId xmlns:a16="http://schemas.microsoft.com/office/drawing/2014/main" id="{B2DBFC75-42BF-63A7-1D3B-09900D82913B}"/>
+                </a:ext>
+              </a:extLst>
+            </p:cNvPr>
+            <p:cNvSpPr/>
+            <p:nvPr/>
+          </p:nvSpPr>
+          <p:spPr>
+            <a:xfrm>
+              <a:off x="7631249" y="4536200"/>
+              <a:ext cx="1149650" cy="1149650"/>
+            </a:xfrm>
+            <a:prstGeom prst="ellipse">
+              <a:avLst/>
+            </a:prstGeom>
+            <a:solidFill>
+              <a:schemeClr val="accent1">
+                <a:lumMod val="20000"/>
+                <a:lumOff val="80000"/>
+              </a:schemeClr>
+            </a:solidFill>
+            <a:ln>
+              <a:solidFill>
+                <a:schemeClr val="tx1"/>
+              </a:solidFill>
+            </a:ln>
+          </p:spPr>
+          <p:style>
+            <a:lnRef idx="2">
+              <a:schemeClr val="accent1">
+                <a:shade val="15000"/>
+              </a:schemeClr>
+            </a:lnRef>
+            <a:fillRef idx="1">
+              <a:schemeClr val="accent1"/>
+            </a:fillRef>
+            <a:effectRef idx="0">
+              <a:schemeClr val="accent1"/>
+            </a:effectRef>
+            <a:fontRef idx="minor">
+              <a:schemeClr val="lt1"/>
+            </a:fontRef>
+          </p:style>
+          <p:txBody>
+            <a:bodyPr rtlCol="0" anchor="ctr"/>
+            <a:lstStyle/>
+            <a:p>
+              <a:pPr algn="ctr"/>
+              <a:r>
+                <a:rPr lang="en-US" altLang="zh-CN" sz="1400" dirty="0">
+                  <a:solidFill>
+                    <a:schemeClr val="tx1"/>
+                  </a:solidFill>
+                  <a:latin typeface="Times New Roman" panose="02020603050405020304" pitchFamily="18" charset="0"/>
+                  <a:cs typeface="Times New Roman" panose="02020603050405020304" pitchFamily="18" charset="0"/>
+                </a:rPr>
+                <a:t>from ESP</a:t>
+              </a:r>
+              <a:endParaRPr lang="en-US" sz="1400" dirty="0">
+                <a:solidFill>
+                  <a:schemeClr val="tx1"/>
+                </a:solidFill>
+                <a:latin typeface="Times New Roman" panose="02020603050405020304" pitchFamily="18" charset="0"/>
+                <a:cs typeface="Times New Roman" panose="02020603050405020304" pitchFamily="18" charset="0"/>
+              </a:endParaRPr>
+            </a:p>
+          </p:txBody>
+        </p:sp>
+        <p:sp>
+          <p:nvSpPr>
+            <p:cNvPr id="8" name="Rectangle 7">
+              <a:extLst>
+                <a:ext uri="{FF2B5EF4-FFF2-40B4-BE49-F238E27FC236}">
+                  <a16:creationId xmlns:a16="http://schemas.microsoft.com/office/drawing/2014/main" id="{EF91D4E7-C38B-A574-32E4-A1C51CF00550}"/>
+                </a:ext>
+              </a:extLst>
+            </p:cNvPr>
+            <p:cNvSpPr/>
+            <p:nvPr/>
+          </p:nvSpPr>
+          <p:spPr>
+            <a:xfrm>
+              <a:off x="6050996" y="4366924"/>
+              <a:ext cx="2878212" cy="1521948"/>
+            </a:xfrm>
+            <a:prstGeom prst="rect">
+              <a:avLst/>
+            </a:prstGeom>
+            <a:noFill/>
+          </p:spPr>
+          <p:style>
+            <a:lnRef idx="2">
+              <a:schemeClr val="accent1">
+                <a:shade val="15000"/>
+              </a:schemeClr>
+            </a:lnRef>
+            <a:fillRef idx="1">
+              <a:schemeClr val="accent1"/>
+            </a:fillRef>
+            <a:effectRef idx="0">
+              <a:schemeClr val="accent1"/>
+            </a:effectRef>
+            <a:fontRef idx="minor">
+              <a:schemeClr val="lt1"/>
+            </a:fontRef>
+          </p:style>
+          <p:txBody>
+            <a:bodyPr rtlCol="0" anchor="ctr"/>
+            <a:lstStyle/>
+            <a:p>
+              <a:pPr algn="ctr"/>
+              <a:endParaRPr lang="en-US" sz="1400"/>
+            </a:p>
+          </p:txBody>
+        </p:sp>
+      </p:grpSp>
+      <p:cxnSp>
+        <p:nvCxnSpPr>
+          <p:cNvPr id="15" name="Straight Arrow Connector 14">
+            <a:extLst>
+              <a:ext uri="{FF2B5EF4-FFF2-40B4-BE49-F238E27FC236}">
+                <a16:creationId xmlns:a16="http://schemas.microsoft.com/office/drawing/2014/main" id="{E68F3DDC-E80E-6EE2-0A30-10E075C90D34}"/>
+              </a:ext>
+            </a:extLst>
+          </p:cNvPr>
+          <p:cNvCxnSpPr>
+            <a:cxnSpLocks/>
+            <a:stCxn id="3" idx="2"/>
+            <a:endCxn id="2" idx="6"/>
+          </p:cNvCxnSpPr>
+          <p:nvPr/>
+        </p:nvCxnSpPr>
+        <p:spPr>
+          <a:xfrm flipH="1">
+            <a:off x="3315980" y="4644041"/>
+            <a:ext cx="2205195" cy="1"/>
+          </a:xfrm>
+          <a:prstGeom prst="straightConnector1">
+            <a:avLst/>
+          </a:prstGeom>
+          <a:ln>
+            <a:tailEnd type="triangle"/>
+          </a:ln>
+        </p:spPr>
+        <p:style>
+          <a:lnRef idx="2">
+            <a:schemeClr val="dk1"/>
+          </a:lnRef>
+          <a:fillRef idx="0">
+            <a:schemeClr val="dk1"/>
+          </a:fillRef>
+          <a:effectRef idx="1">
+            <a:schemeClr val="dk1"/>
+          </a:effectRef>
+          <a:fontRef idx="minor">
+            <a:schemeClr val="tx1"/>
+          </a:fontRef>
+        </p:style>
+      </p:cxnSp>
+      <p:sp>
+        <p:nvSpPr>
+          <p:cNvPr id="20" name="Oval 19">
+            <a:extLst>
+              <a:ext uri="{FF2B5EF4-FFF2-40B4-BE49-F238E27FC236}">
+                <a16:creationId xmlns:a16="http://schemas.microsoft.com/office/drawing/2014/main" id="{BFBB38F9-2AF7-4DF0-C95A-B4377631A280}"/>
+              </a:ext>
+            </a:extLst>
+          </p:cNvPr>
+          <p:cNvSpPr/>
+          <p:nvPr/>
+        </p:nvSpPr>
+        <p:spPr>
+          <a:xfrm>
+            <a:off x="3825344" y="2412190"/>
+            <a:ext cx="1149650" cy="1149650"/>
+          </a:xfrm>
+          <a:prstGeom prst="ellipse">
+            <a:avLst/>
+          </a:prstGeom>
+          <a:noFill/>
+          <a:ln>
+            <a:solidFill>
+              <a:schemeClr val="tx1"/>
+            </a:solidFill>
+          </a:ln>
+        </p:spPr>
+        <p:style>
+          <a:lnRef idx="2">
+            <a:schemeClr val="accent1">
+              <a:shade val="15000"/>
+            </a:schemeClr>
+          </a:lnRef>
+          <a:fillRef idx="1">
+            <a:schemeClr val="accent1"/>
+          </a:fillRef>
+          <a:effectRef idx="0">
+            <a:schemeClr val="accent1"/>
+          </a:effectRef>
+          <a:fontRef idx="minor">
+            <a:schemeClr val="lt1"/>
+          </a:fontRef>
+        </p:style>
+        <p:txBody>
+          <a:bodyPr rtlCol="0" anchor="ctr"/>
+          <a:lstStyle/>
+          <a:p>
+            <a:pPr algn="ctr"/>
+            <a:r>
+              <a:rPr lang="en-US" sz="1600" dirty="0">
+                <a:solidFill>
+                  <a:schemeClr val="tx1"/>
+                </a:solidFill>
+                <a:latin typeface="Times New Roman" panose="02020603050405020304" pitchFamily="18" charset="0"/>
+                <a:cs typeface="Times New Roman" panose="02020603050405020304" pitchFamily="18" charset="0"/>
+              </a:rPr>
+              <a:t>spiffs</a:t>
+            </a:r>
+          </a:p>
+        </p:txBody>
+      </p:sp>
+      <p:cxnSp>
+        <p:nvCxnSpPr>
+          <p:cNvPr id="21" name="Straight Arrow Connector 20">
+            <a:extLst>
+              <a:ext uri="{FF2B5EF4-FFF2-40B4-BE49-F238E27FC236}">
+                <a16:creationId xmlns:a16="http://schemas.microsoft.com/office/drawing/2014/main" id="{76C4161B-4362-B42D-8563-66150A44C0CE}"/>
+              </a:ext>
+            </a:extLst>
+          </p:cNvPr>
+          <p:cNvCxnSpPr>
+            <a:cxnSpLocks/>
+            <a:stCxn id="3" idx="1"/>
+            <a:endCxn id="20" idx="5"/>
+          </p:cNvCxnSpPr>
+          <p:nvPr/>
+        </p:nvCxnSpPr>
+        <p:spPr>
+          <a:xfrm flipH="1" flipV="1">
+            <a:off x="4806632" y="3393478"/>
+            <a:ext cx="882905" cy="844100"/>
+          </a:xfrm>
+          <a:prstGeom prst="straightConnector1">
+            <a:avLst/>
+          </a:prstGeom>
+          <a:ln>
+            <a:tailEnd type="triangle"/>
+          </a:ln>
+        </p:spPr>
+        <p:style>
+          <a:lnRef idx="2">
+            <a:schemeClr val="dk1"/>
+          </a:lnRef>
+          <a:fillRef idx="0">
+            <a:schemeClr val="dk1"/>
+          </a:fillRef>
+          <a:effectRef idx="1">
+            <a:schemeClr val="dk1"/>
+          </a:effectRef>
+          <a:fontRef idx="minor">
+            <a:schemeClr val="tx1"/>
+          </a:fontRef>
+        </p:style>
+      </p:cxnSp>
+      <p:cxnSp>
+        <p:nvCxnSpPr>
+          <p:cNvPr id="27" name="Straight Arrow Connector 26">
+            <a:extLst>
+              <a:ext uri="{FF2B5EF4-FFF2-40B4-BE49-F238E27FC236}">
+                <a16:creationId xmlns:a16="http://schemas.microsoft.com/office/drawing/2014/main" id="{DE9A84BC-E1EC-6766-BB73-88920C468506}"/>
+              </a:ext>
+            </a:extLst>
+          </p:cNvPr>
+          <p:cNvCxnSpPr>
+            <a:cxnSpLocks/>
+            <a:stCxn id="20" idx="3"/>
+            <a:endCxn id="2" idx="7"/>
+          </p:cNvCxnSpPr>
+          <p:nvPr/>
+        </p:nvCxnSpPr>
+        <p:spPr>
+          <a:xfrm flipH="1">
+            <a:off x="3147618" y="3393478"/>
+            <a:ext cx="846088" cy="844101"/>
+          </a:xfrm>
+          <a:prstGeom prst="straightConnector1">
+            <a:avLst/>
+          </a:prstGeom>
+          <a:ln>
+            <a:tailEnd type="triangle"/>
+          </a:ln>
+        </p:spPr>
+        <p:style>
+          <a:lnRef idx="2">
+            <a:schemeClr val="dk1"/>
+          </a:lnRef>
+          <a:fillRef idx="0">
+            <a:schemeClr val="dk1"/>
+          </a:fillRef>
+          <a:effectRef idx="1">
+            <a:schemeClr val="dk1"/>
+          </a:effectRef>
+          <a:fontRef idx="minor">
+            <a:schemeClr val="tx1"/>
+          </a:fontRef>
+        </p:style>
+      </p:cxnSp>
+      <p:sp>
+        <p:nvSpPr>
+          <p:cNvPr id="34" name="Oval 33">
+            <a:extLst>
+              <a:ext uri="{FF2B5EF4-FFF2-40B4-BE49-F238E27FC236}">
+                <a16:creationId xmlns:a16="http://schemas.microsoft.com/office/drawing/2014/main" id="{0673D1C9-C33C-E041-67F8-5AC3F5E4B8C6}"/>
+              </a:ext>
+            </a:extLst>
+          </p:cNvPr>
+          <p:cNvSpPr/>
+          <p:nvPr/>
+        </p:nvSpPr>
+        <p:spPr>
+          <a:xfrm>
+            <a:off x="7791832" y="4069216"/>
+            <a:ext cx="1149650" cy="1149650"/>
+          </a:xfrm>
+          <a:prstGeom prst="ellipse">
+            <a:avLst/>
+          </a:prstGeom>
+          <a:solidFill>
+            <a:schemeClr val="accent1">
+              <a:lumMod val="20000"/>
+              <a:lumOff val="80000"/>
+            </a:schemeClr>
+          </a:solidFill>
+          <a:ln>
+            <a:solidFill>
+              <a:schemeClr val="tx1"/>
+            </a:solidFill>
+          </a:ln>
+        </p:spPr>
+        <p:style>
+          <a:lnRef idx="2">
+            <a:schemeClr val="accent1">
+              <a:shade val="15000"/>
+            </a:schemeClr>
+          </a:lnRef>
+          <a:fillRef idx="1">
+            <a:schemeClr val="accent1"/>
+          </a:fillRef>
+          <a:effectRef idx="0">
+            <a:schemeClr val="accent1"/>
+          </a:effectRef>
+          <a:fontRef idx="minor">
+            <a:schemeClr val="lt1"/>
+          </a:fontRef>
+        </p:style>
+        <p:txBody>
+          <a:bodyPr rtlCol="0" anchor="ctr"/>
+          <a:lstStyle/>
+          <a:p>
+            <a:pPr algn="ctr"/>
+            <a:r>
+              <a:rPr lang="en-US" altLang="zh-CN" sz="1600" dirty="0">
+                <a:solidFill>
+                  <a:schemeClr val="tx1"/>
+                </a:solidFill>
+                <a:latin typeface="Times New Roman" panose="02020603050405020304" pitchFamily="18" charset="0"/>
+                <a:cs typeface="Times New Roman" panose="02020603050405020304" pitchFamily="18" charset="0"/>
+              </a:rPr>
+              <a:t>driver</a:t>
+            </a:r>
+            <a:endParaRPr lang="en-US" sz="1600" dirty="0">
+              <a:solidFill>
+                <a:schemeClr val="tx1"/>
+              </a:solidFill>
+              <a:latin typeface="Times New Roman" panose="02020603050405020304" pitchFamily="18" charset="0"/>
+              <a:cs typeface="Times New Roman" panose="02020603050405020304" pitchFamily="18" charset="0"/>
+            </a:endParaRPr>
+          </a:p>
+        </p:txBody>
+      </p:sp>
+      <p:cxnSp>
+        <p:nvCxnSpPr>
+          <p:cNvPr id="35" name="Straight Arrow Connector 34">
+            <a:extLst>
+              <a:ext uri="{FF2B5EF4-FFF2-40B4-BE49-F238E27FC236}">
+                <a16:creationId xmlns:a16="http://schemas.microsoft.com/office/drawing/2014/main" id="{35295B1C-9C0C-C8CA-3918-BD0D0EAE2333}"/>
+              </a:ext>
+            </a:extLst>
+          </p:cNvPr>
+          <p:cNvCxnSpPr>
+            <a:cxnSpLocks/>
+            <a:stCxn id="34" idx="2"/>
+            <a:endCxn id="3" idx="6"/>
+          </p:cNvCxnSpPr>
+          <p:nvPr/>
+        </p:nvCxnSpPr>
+        <p:spPr>
+          <a:xfrm flipH="1">
+            <a:off x="6670825" y="4644041"/>
+            <a:ext cx="1121007" cy="0"/>
+          </a:xfrm>
+          <a:prstGeom prst="straightConnector1">
+            <a:avLst/>
+          </a:prstGeom>
+          <a:ln>
+            <a:tailEnd type="triangle"/>
+          </a:ln>
+        </p:spPr>
+        <p:style>
+          <a:lnRef idx="2">
+            <a:schemeClr val="dk1"/>
+          </a:lnRef>
+          <a:fillRef idx="0">
+            <a:schemeClr val="dk1"/>
+          </a:fillRef>
+          <a:effectRef idx="1">
+            <a:schemeClr val="dk1"/>
+          </a:effectRef>
+          <a:fontRef idx="minor">
+            <a:schemeClr val="tx1"/>
+          </a:fontRef>
+        </p:style>
+      </p:cxnSp>
+      <p:sp>
+        <p:nvSpPr>
+          <p:cNvPr id="17" name="Oval 16">
+            <a:extLst>
+              <a:ext uri="{FF2B5EF4-FFF2-40B4-BE49-F238E27FC236}">
+                <a16:creationId xmlns:a16="http://schemas.microsoft.com/office/drawing/2014/main" id="{3D5E373D-63CD-821D-9678-5343B23A310E}"/>
+              </a:ext>
+            </a:extLst>
+          </p:cNvPr>
+          <p:cNvSpPr/>
+          <p:nvPr/>
+        </p:nvSpPr>
+        <p:spPr>
+          <a:xfrm>
+            <a:off x="7791832" y="2412190"/>
+            <a:ext cx="1149650" cy="1149650"/>
+          </a:xfrm>
+          <a:prstGeom prst="ellipse">
+            <a:avLst/>
+          </a:prstGeom>
+          <a:solidFill>
+            <a:schemeClr val="accent1">
+              <a:lumMod val="20000"/>
+              <a:lumOff val="80000"/>
+            </a:schemeClr>
+          </a:solidFill>
+          <a:ln>
+            <a:solidFill>
+              <a:schemeClr val="tx1"/>
+            </a:solidFill>
+          </a:ln>
+        </p:spPr>
+        <p:style>
+          <a:lnRef idx="2">
+            <a:schemeClr val="accent1">
+              <a:shade val="15000"/>
+            </a:schemeClr>
+          </a:lnRef>
+          <a:fillRef idx="1">
+            <a:schemeClr val="accent1"/>
+          </a:fillRef>
+          <a:effectRef idx="0">
+            <a:schemeClr val="accent1"/>
+          </a:effectRef>
+          <a:fontRef idx="minor">
+            <a:schemeClr val="lt1"/>
+          </a:fontRef>
+        </p:style>
+        <p:txBody>
+          <a:bodyPr rtlCol="0" anchor="ctr"/>
+          <a:lstStyle/>
+          <a:p>
+            <a:pPr algn="ctr"/>
+            <a:r>
+              <a:rPr lang="en-US" altLang="zh-CN" sz="1600" dirty="0" err="1">
+                <a:solidFill>
+                  <a:schemeClr val="tx1"/>
+                </a:solidFill>
+                <a:latin typeface="Times New Roman" panose="02020603050405020304" pitchFamily="18" charset="0"/>
+                <a:cs typeface="Times New Roman" panose="02020603050405020304" pitchFamily="18" charset="0"/>
+              </a:rPr>
+              <a:t>fatfs</a:t>
+            </a:r>
+            <a:endParaRPr lang="en-US" sz="1600" dirty="0">
+              <a:solidFill>
+                <a:schemeClr val="tx1"/>
+              </a:solidFill>
+              <a:latin typeface="Times New Roman" panose="02020603050405020304" pitchFamily="18" charset="0"/>
+              <a:cs typeface="Times New Roman" panose="02020603050405020304" pitchFamily="18" charset="0"/>
+            </a:endParaRPr>
+          </a:p>
+        </p:txBody>
+      </p:sp>
+      <p:sp>
+        <p:nvSpPr>
+          <p:cNvPr id="18" name="Oval 17">
+            <a:extLst>
+              <a:ext uri="{FF2B5EF4-FFF2-40B4-BE49-F238E27FC236}">
+                <a16:creationId xmlns:a16="http://schemas.microsoft.com/office/drawing/2014/main" id="{79ED378A-9455-9162-6ACC-AB33A248AA19}"/>
+              </a:ext>
+            </a:extLst>
+          </p:cNvPr>
+          <p:cNvSpPr/>
+          <p:nvPr/>
+        </p:nvSpPr>
+        <p:spPr>
+          <a:xfrm>
+            <a:off x="7791832" y="755164"/>
+            <a:ext cx="1149650" cy="1149650"/>
+          </a:xfrm>
+          <a:prstGeom prst="ellipse">
+            <a:avLst/>
+          </a:prstGeom>
+          <a:solidFill>
+            <a:schemeClr val="accent1">
+              <a:lumMod val="20000"/>
+              <a:lumOff val="80000"/>
+            </a:schemeClr>
+          </a:solidFill>
+          <a:ln>
+            <a:solidFill>
+              <a:schemeClr val="tx1"/>
+            </a:solidFill>
+          </a:ln>
+        </p:spPr>
+        <p:style>
+          <a:lnRef idx="2">
+            <a:schemeClr val="accent1">
+              <a:shade val="15000"/>
+            </a:schemeClr>
+          </a:lnRef>
+          <a:fillRef idx="1">
+            <a:schemeClr val="accent1"/>
+          </a:fillRef>
+          <a:effectRef idx="0">
+            <a:schemeClr val="accent1"/>
+          </a:effectRef>
+          <a:fontRef idx="minor">
+            <a:schemeClr val="lt1"/>
+          </a:fontRef>
+        </p:style>
+        <p:txBody>
+          <a:bodyPr rtlCol="0" anchor="ctr"/>
+          <a:lstStyle/>
+          <a:p>
+            <a:pPr algn="ctr"/>
+            <a:r>
+              <a:rPr lang="en-US" altLang="zh-CN" sz="1600" dirty="0" err="1">
+                <a:solidFill>
+                  <a:schemeClr val="tx1"/>
+                </a:solidFill>
+                <a:latin typeface="Times New Roman" panose="02020603050405020304" pitchFamily="18" charset="0"/>
+                <a:cs typeface="Times New Roman" panose="02020603050405020304" pitchFamily="18" charset="0"/>
+              </a:rPr>
+              <a:t>vfs</a:t>
+            </a:r>
+            <a:endParaRPr lang="en-US" sz="1600" dirty="0">
+              <a:solidFill>
+                <a:schemeClr val="tx1"/>
+              </a:solidFill>
+              <a:latin typeface="Times New Roman" panose="02020603050405020304" pitchFamily="18" charset="0"/>
+              <a:cs typeface="Times New Roman" panose="02020603050405020304" pitchFamily="18" charset="0"/>
+            </a:endParaRPr>
+          </a:p>
+        </p:txBody>
+      </p:sp>
+      <p:cxnSp>
+        <p:nvCxnSpPr>
+          <p:cNvPr id="23" name="Straight Arrow Connector 22">
+            <a:extLst>
+              <a:ext uri="{FF2B5EF4-FFF2-40B4-BE49-F238E27FC236}">
+                <a16:creationId xmlns:a16="http://schemas.microsoft.com/office/drawing/2014/main" id="{32A97933-AD6D-B416-9FA2-FADF13CE9577}"/>
+              </a:ext>
+            </a:extLst>
+          </p:cNvPr>
+          <p:cNvCxnSpPr>
+            <a:cxnSpLocks/>
+            <a:stCxn id="17" idx="2"/>
+            <a:endCxn id="20" idx="6"/>
+          </p:cNvCxnSpPr>
+          <p:nvPr/>
+        </p:nvCxnSpPr>
+        <p:spPr>
+          <a:xfrm flipH="1">
+            <a:off x="4974994" y="2987015"/>
+            <a:ext cx="2816838" cy="0"/>
+          </a:xfrm>
+          <a:prstGeom prst="straightConnector1">
+            <a:avLst/>
+          </a:prstGeom>
+          <a:ln>
+            <a:tailEnd type="triangle"/>
+          </a:ln>
+        </p:spPr>
+        <p:style>
+          <a:lnRef idx="2">
+            <a:schemeClr val="dk1"/>
+          </a:lnRef>
+          <a:fillRef idx="0">
+            <a:schemeClr val="dk1"/>
+          </a:fillRef>
+          <a:effectRef idx="1">
+            <a:schemeClr val="dk1"/>
+          </a:effectRef>
+          <a:fontRef idx="minor">
+            <a:schemeClr val="tx1"/>
+          </a:fontRef>
+        </p:style>
+      </p:cxnSp>
+      <p:cxnSp>
+        <p:nvCxnSpPr>
+          <p:cNvPr id="26" name="Straight Arrow Connector 25">
+            <a:extLst>
+              <a:ext uri="{FF2B5EF4-FFF2-40B4-BE49-F238E27FC236}">
+                <a16:creationId xmlns:a16="http://schemas.microsoft.com/office/drawing/2014/main" id="{A1845D2C-4428-0F0A-8058-67445105787E}"/>
+              </a:ext>
+            </a:extLst>
+          </p:cNvPr>
+          <p:cNvCxnSpPr>
+            <a:cxnSpLocks/>
+            <a:stCxn id="18" idx="2"/>
+            <a:endCxn id="20" idx="7"/>
+          </p:cNvCxnSpPr>
+          <p:nvPr/>
+        </p:nvCxnSpPr>
+        <p:spPr>
+          <a:xfrm flipH="1">
+            <a:off x="4806632" y="1329989"/>
+            <a:ext cx="2985200" cy="1250563"/>
+          </a:xfrm>
+          <a:prstGeom prst="straightConnector1">
+            <a:avLst/>
+          </a:prstGeom>
+          <a:ln>
+            <a:tailEnd type="triangle"/>
+          </a:ln>
+        </p:spPr>
+        <p:style>
+          <a:lnRef idx="2">
+            <a:schemeClr val="dk1"/>
+          </a:lnRef>
+          <a:fillRef idx="0">
+            <a:schemeClr val="dk1"/>
+          </a:fillRef>
+          <a:effectRef idx="1">
+            <a:schemeClr val="dk1"/>
+          </a:effectRef>
+          <a:fontRef idx="minor">
+            <a:schemeClr val="tx1"/>
+          </a:fontRef>
+        </p:style>
+      </p:cxnSp>
+    </p:spTree>
+    <p:extLst>
+      <p:ext uri="{BB962C8B-B14F-4D97-AF65-F5344CB8AC3E}">
+        <p14:creationId xmlns:p14="http://schemas.microsoft.com/office/powerpoint/2010/main" val="1072777795"/>
       </p:ext>
     </p:extLst>
   </p:cSld>
